--- a/Bouncer Locking System Midterm Presentation.pptx
+++ b/Bouncer Locking System Midterm Presentation.pptx
@@ -6,6 +6,20 @@
   </p:sldMasterIdLst>
   <p:sldIdLst>
     <p:sldId id="256" r:id="rId2"/>
+    <p:sldId id="258" r:id="rId3"/>
+    <p:sldId id="270" r:id="rId4"/>
+    <p:sldId id="257" r:id="rId5"/>
+    <p:sldId id="267" r:id="rId6"/>
+    <p:sldId id="268" r:id="rId7"/>
+    <p:sldId id="269" r:id="rId8"/>
+    <p:sldId id="259" r:id="rId9"/>
+    <p:sldId id="260" r:id="rId10"/>
+    <p:sldId id="261" r:id="rId11"/>
+    <p:sldId id="262" r:id="rId12"/>
+    <p:sldId id="263" r:id="rId13"/>
+    <p:sldId id="264" r:id="rId14"/>
+    <p:sldId id="265" r:id="rId15"/>
+    <p:sldId id="266" r:id="rId16"/>
   </p:sldIdLst>
   <p:sldSz cx="12192000" cy="6858000"/>
   <p:notesSz cx="6858000" cy="9144000"/>
@@ -104,6 +118,11 @@
       </a:defRPr>
     </a:lvl9pPr>
   </p:defaultTextStyle>
+  <p:extLst>
+    <p:ext uri="{EFAFB233-063F-42B5-8137-9DF3F51BA10A}">
+      <p15:sldGuideLst xmlns:p15="http://schemas.microsoft.com/office/powerpoint/2012/main"/>
+    </p:ext>
+  </p:extLst>
 </p:presentation>
 </file>
 
@@ -254,7 +273,7 @@
           <a:p>
             <a:fld id="{004C0066-4075-4CF0-BB25-577C2798C6F5}" type="datetimeFigureOut">
               <a:rPr lang="en-US" smtClean="0"/>
-              <a:t>10/6/2021</a:t>
+              <a:t>10/8/2021</a:t>
             </a:fld>
             <a:endParaRPr lang="en-US"/>
           </a:p>
@@ -452,7 +471,7 @@
           <a:p>
             <a:fld id="{004C0066-4075-4CF0-BB25-577C2798C6F5}" type="datetimeFigureOut">
               <a:rPr lang="en-US" smtClean="0"/>
-              <a:t>10/6/2021</a:t>
+              <a:t>10/8/2021</a:t>
             </a:fld>
             <a:endParaRPr lang="en-US"/>
           </a:p>
@@ -660,7 +679,7 @@
           <a:p>
             <a:fld id="{004C0066-4075-4CF0-BB25-577C2798C6F5}" type="datetimeFigureOut">
               <a:rPr lang="en-US" smtClean="0"/>
-              <a:t>10/6/2021</a:t>
+              <a:t>10/8/2021</a:t>
             </a:fld>
             <a:endParaRPr lang="en-US"/>
           </a:p>
@@ -858,7 +877,7 @@
           <a:p>
             <a:fld id="{004C0066-4075-4CF0-BB25-577C2798C6F5}" type="datetimeFigureOut">
               <a:rPr lang="en-US" smtClean="0"/>
-              <a:t>10/6/2021</a:t>
+              <a:t>10/8/2021</a:t>
             </a:fld>
             <a:endParaRPr lang="en-US"/>
           </a:p>
@@ -1133,7 +1152,7 @@
           <a:p>
             <a:fld id="{004C0066-4075-4CF0-BB25-577C2798C6F5}" type="datetimeFigureOut">
               <a:rPr lang="en-US" smtClean="0"/>
-              <a:t>10/6/2021</a:t>
+              <a:t>10/8/2021</a:t>
             </a:fld>
             <a:endParaRPr lang="en-US"/>
           </a:p>
@@ -1398,7 +1417,7 @@
           <a:p>
             <a:fld id="{004C0066-4075-4CF0-BB25-577C2798C6F5}" type="datetimeFigureOut">
               <a:rPr lang="en-US" smtClean="0"/>
-              <a:t>10/6/2021</a:t>
+              <a:t>10/8/2021</a:t>
             </a:fld>
             <a:endParaRPr lang="en-US"/>
           </a:p>
@@ -1810,7 +1829,7 @@
           <a:p>
             <a:fld id="{004C0066-4075-4CF0-BB25-577C2798C6F5}" type="datetimeFigureOut">
               <a:rPr lang="en-US" smtClean="0"/>
-              <a:t>10/6/2021</a:t>
+              <a:t>10/8/2021</a:t>
             </a:fld>
             <a:endParaRPr lang="en-US"/>
           </a:p>
@@ -1951,7 +1970,7 @@
           <a:p>
             <a:fld id="{004C0066-4075-4CF0-BB25-577C2798C6F5}" type="datetimeFigureOut">
               <a:rPr lang="en-US" smtClean="0"/>
-              <a:t>10/6/2021</a:t>
+              <a:t>10/8/2021</a:t>
             </a:fld>
             <a:endParaRPr lang="en-US"/>
           </a:p>
@@ -2064,7 +2083,7 @@
           <a:p>
             <a:fld id="{004C0066-4075-4CF0-BB25-577C2798C6F5}" type="datetimeFigureOut">
               <a:rPr lang="en-US" smtClean="0"/>
-              <a:t>10/6/2021</a:t>
+              <a:t>10/8/2021</a:t>
             </a:fld>
             <a:endParaRPr lang="en-US"/>
           </a:p>
@@ -2375,7 +2394,7 @@
           <a:p>
             <a:fld id="{004C0066-4075-4CF0-BB25-577C2798C6F5}" type="datetimeFigureOut">
               <a:rPr lang="en-US" smtClean="0"/>
-              <a:t>10/6/2021</a:t>
+              <a:t>10/8/2021</a:t>
             </a:fld>
             <a:endParaRPr lang="en-US"/>
           </a:p>
@@ -2663,7 +2682,7 @@
           <a:p>
             <a:fld id="{004C0066-4075-4CF0-BB25-577C2798C6F5}" type="datetimeFigureOut">
               <a:rPr lang="en-US" smtClean="0"/>
-              <a:t>10/6/2021</a:t>
+              <a:t>10/8/2021</a:t>
             </a:fld>
             <a:endParaRPr lang="en-US"/>
           </a:p>
@@ -2904,7 +2923,7 @@
           <a:p>
             <a:fld id="{004C0066-4075-4CF0-BB25-577C2798C6F5}" type="datetimeFigureOut">
               <a:rPr lang="en-US" smtClean="0"/>
-              <a:t>10/6/2021</a:t>
+              <a:t>10/8/2021</a:t>
             </a:fld>
             <a:endParaRPr lang="en-US"/>
           </a:p>
@@ -3404,6 +3423,2292 @@
 </p:sld>
 </file>
 
+<file path=ppt/slides/slide10.xml><?xml version="1.0" encoding="utf-8"?>
+<p:sld xmlns:a="http://schemas.openxmlformats.org/drawingml/2006/main" xmlns:r="http://schemas.openxmlformats.org/officeDocument/2006/relationships" xmlns:p="http://schemas.openxmlformats.org/presentationml/2006/main">
+  <p:cSld>
+    <p:spTree>
+      <p:nvGrpSpPr>
+        <p:cNvPr id="1" name=""/>
+        <p:cNvGrpSpPr/>
+        <p:nvPr/>
+      </p:nvGrpSpPr>
+      <p:grpSpPr>
+        <a:xfrm>
+          <a:off x="0" y="0"/>
+          <a:ext cx="0" cy="0"/>
+          <a:chOff x="0" y="0"/>
+          <a:chExt cx="0" cy="0"/>
+        </a:xfrm>
+      </p:grpSpPr>
+      <p:sp>
+        <p:nvSpPr>
+          <p:cNvPr id="2" name="Title 1">
+            <a:extLst>
+              <a:ext uri="{FF2B5EF4-FFF2-40B4-BE49-F238E27FC236}">
+                <a16:creationId xmlns:a16="http://schemas.microsoft.com/office/drawing/2014/main" id="{C9165B99-89E6-485F-8412-A487E0035FA0}"/>
+              </a:ext>
+            </a:extLst>
+          </p:cNvPr>
+          <p:cNvSpPr>
+            <a:spLocks noGrp="1"/>
+          </p:cNvSpPr>
+          <p:nvPr>
+            <p:ph type="title"/>
+          </p:nvPr>
+        </p:nvSpPr>
+        <p:spPr/>
+        <p:txBody>
+          <a:bodyPr/>
+          <a:lstStyle/>
+          <a:p>
+            <a:r>
+              <a:rPr lang="en-US" dirty="0"/>
+              <a:t>Team Member Responsibilities</a:t>
+            </a:r>
+          </a:p>
+        </p:txBody>
+      </p:sp>
+      <p:sp>
+        <p:nvSpPr>
+          <p:cNvPr id="3" name="Content Placeholder 2">
+            <a:extLst>
+              <a:ext uri="{FF2B5EF4-FFF2-40B4-BE49-F238E27FC236}">
+                <a16:creationId xmlns:a16="http://schemas.microsoft.com/office/drawing/2014/main" id="{7C2A5003-8C4D-4E5D-83C5-39C9A0CF672E}"/>
+              </a:ext>
+            </a:extLst>
+          </p:cNvPr>
+          <p:cNvSpPr>
+            <a:spLocks noGrp="1"/>
+          </p:cNvSpPr>
+          <p:nvPr>
+            <p:ph idx="1"/>
+          </p:nvPr>
+        </p:nvSpPr>
+        <p:spPr/>
+        <p:txBody>
+          <a:bodyPr/>
+          <a:lstStyle/>
+          <a:p>
+            <a:r>
+              <a:rPr lang="en-US" dirty="0"/>
+              <a:t>Explain each team member’s primary responsibility</a:t>
+            </a:r>
+          </a:p>
+          <a:p>
+            <a:r>
+              <a:rPr lang="en-US" dirty="0"/>
+              <a:t>How are we parallelizing tasks</a:t>
+            </a:r>
+          </a:p>
+          <a:p>
+            <a:r>
+              <a:rPr lang="en-US" dirty="0"/>
+              <a:t>NOTE: WHOEVER IS RESPONSIBLE FOR EACH TASK SHOULD BE PRESENTER FOR THAT PORTION</a:t>
+            </a:r>
+          </a:p>
+        </p:txBody>
+      </p:sp>
+    </p:spTree>
+    <p:extLst>
+      <p:ext uri="{BB962C8B-B14F-4D97-AF65-F5344CB8AC3E}">
+        <p14:creationId xmlns:p14="http://schemas.microsoft.com/office/powerpoint/2010/main" val="2657375"/>
+      </p:ext>
+    </p:extLst>
+  </p:cSld>
+  <p:clrMapOvr>
+    <a:masterClrMapping/>
+  </p:clrMapOvr>
+</p:sld>
+</file>
+
+<file path=ppt/slides/slide11.xml><?xml version="1.0" encoding="utf-8"?>
+<p:sld xmlns:a="http://schemas.openxmlformats.org/drawingml/2006/main" xmlns:r="http://schemas.openxmlformats.org/officeDocument/2006/relationships" xmlns:p="http://schemas.openxmlformats.org/presentationml/2006/main">
+  <p:cSld>
+    <p:spTree>
+      <p:nvGrpSpPr>
+        <p:cNvPr id="1" name=""/>
+        <p:cNvGrpSpPr/>
+        <p:nvPr/>
+      </p:nvGrpSpPr>
+      <p:grpSpPr>
+        <a:xfrm>
+          <a:off x="0" y="0"/>
+          <a:ext cx="0" cy="0"/>
+          <a:chOff x="0" y="0"/>
+          <a:chExt cx="0" cy="0"/>
+        </a:xfrm>
+      </p:grpSpPr>
+      <p:sp>
+        <p:nvSpPr>
+          <p:cNvPr id="2" name="Title 1">
+            <a:extLst>
+              <a:ext uri="{FF2B5EF4-FFF2-40B4-BE49-F238E27FC236}">
+                <a16:creationId xmlns:a16="http://schemas.microsoft.com/office/drawing/2014/main" id="{A4D876C7-CA18-4C8B-B6F0-C66C954C4914}"/>
+              </a:ext>
+            </a:extLst>
+          </p:cNvPr>
+          <p:cNvSpPr>
+            <a:spLocks noGrp="1"/>
+          </p:cNvSpPr>
+          <p:nvPr>
+            <p:ph type="title"/>
+          </p:nvPr>
+        </p:nvSpPr>
+        <p:spPr/>
+        <p:txBody>
+          <a:bodyPr/>
+          <a:lstStyle/>
+          <a:p>
+            <a:r>
+              <a:rPr lang="en-US" dirty="0"/>
+              <a:t>Software/Microcontroller</a:t>
+            </a:r>
+          </a:p>
+        </p:txBody>
+      </p:sp>
+      <p:sp>
+        <p:nvSpPr>
+          <p:cNvPr id="3" name="Content Placeholder 2">
+            <a:extLst>
+              <a:ext uri="{FF2B5EF4-FFF2-40B4-BE49-F238E27FC236}">
+                <a16:creationId xmlns:a16="http://schemas.microsoft.com/office/drawing/2014/main" id="{6FB85FC4-3A60-4BBA-A52A-E575FFACFF0E}"/>
+              </a:ext>
+            </a:extLst>
+          </p:cNvPr>
+          <p:cNvSpPr>
+            <a:spLocks noGrp="1"/>
+          </p:cNvSpPr>
+          <p:nvPr>
+            <p:ph idx="1"/>
+          </p:nvPr>
+        </p:nvSpPr>
+        <p:spPr/>
+        <p:txBody>
+          <a:bodyPr/>
+          <a:lstStyle/>
+          <a:p>
+            <a:r>
+              <a:rPr lang="en-US" dirty="0"/>
+              <a:t>Flow chart of proposed algorithms</a:t>
+            </a:r>
+          </a:p>
+          <a:p>
+            <a:r>
+              <a:rPr lang="en-US" dirty="0"/>
+              <a:t>Would chosen platform be desirable if project went into mass production?</a:t>
+            </a:r>
+          </a:p>
+          <a:p>
+            <a:pPr lvl="1"/>
+            <a:r>
+              <a:rPr lang="en-US" dirty="0"/>
+              <a:t>It is fine if the prototyping CPU is much more expensive than one that might be selected for production</a:t>
+            </a:r>
+          </a:p>
+        </p:txBody>
+      </p:sp>
+    </p:spTree>
+    <p:extLst>
+      <p:ext uri="{BB962C8B-B14F-4D97-AF65-F5344CB8AC3E}">
+        <p14:creationId xmlns:p14="http://schemas.microsoft.com/office/powerpoint/2010/main" val="2262728933"/>
+      </p:ext>
+    </p:extLst>
+  </p:cSld>
+  <p:clrMapOvr>
+    <a:masterClrMapping/>
+  </p:clrMapOvr>
+</p:sld>
+</file>
+
+<file path=ppt/slides/slide12.xml><?xml version="1.0" encoding="utf-8"?>
+<p:sld xmlns:a="http://schemas.openxmlformats.org/drawingml/2006/main" xmlns:r="http://schemas.openxmlformats.org/officeDocument/2006/relationships" xmlns:p="http://schemas.openxmlformats.org/presentationml/2006/main">
+  <p:cSld>
+    <p:spTree>
+      <p:nvGrpSpPr>
+        <p:cNvPr id="1" name=""/>
+        <p:cNvGrpSpPr/>
+        <p:nvPr/>
+      </p:nvGrpSpPr>
+      <p:grpSpPr>
+        <a:xfrm>
+          <a:off x="0" y="0"/>
+          <a:ext cx="0" cy="0"/>
+          <a:chOff x="0" y="0"/>
+          <a:chExt cx="0" cy="0"/>
+        </a:xfrm>
+      </p:grpSpPr>
+      <p:sp>
+        <p:nvSpPr>
+          <p:cNvPr id="2" name="Title 1">
+            <a:extLst>
+              <a:ext uri="{FF2B5EF4-FFF2-40B4-BE49-F238E27FC236}">
+                <a16:creationId xmlns:a16="http://schemas.microsoft.com/office/drawing/2014/main" id="{6F61EC3F-836E-48B3-8E38-2BCBB4A0FBA2}"/>
+              </a:ext>
+            </a:extLst>
+          </p:cNvPr>
+          <p:cNvSpPr>
+            <a:spLocks noGrp="1"/>
+          </p:cNvSpPr>
+          <p:nvPr>
+            <p:ph type="title"/>
+          </p:nvPr>
+        </p:nvSpPr>
+        <p:spPr/>
+        <p:txBody>
+          <a:bodyPr/>
+          <a:lstStyle/>
+          <a:p>
+            <a:r>
+              <a:rPr lang="en-US" dirty="0"/>
+              <a:t>Test Plan</a:t>
+            </a:r>
+          </a:p>
+        </p:txBody>
+      </p:sp>
+      <p:sp>
+        <p:nvSpPr>
+          <p:cNvPr id="3" name="Content Placeholder 2">
+            <a:extLst>
+              <a:ext uri="{FF2B5EF4-FFF2-40B4-BE49-F238E27FC236}">
+                <a16:creationId xmlns:a16="http://schemas.microsoft.com/office/drawing/2014/main" id="{7FC78B1C-729D-48C4-B800-35E64BAD4690}"/>
+              </a:ext>
+            </a:extLst>
+          </p:cNvPr>
+          <p:cNvSpPr>
+            <a:spLocks noGrp="1"/>
+          </p:cNvSpPr>
+          <p:nvPr>
+            <p:ph idx="1"/>
+          </p:nvPr>
+        </p:nvSpPr>
+        <p:spPr/>
+        <p:txBody>
+          <a:bodyPr>
+            <a:normAutofit fontScale="92500" lnSpcReduction="10000"/>
+          </a:bodyPr>
+          <a:lstStyle/>
+          <a:p>
+            <a:r>
+              <a:rPr lang="en-US" sz="1200" dirty="0"/>
+              <a:t>Explain how you plan to test your project</a:t>
+            </a:r>
+          </a:p>
+          <a:p>
+            <a:pPr lvl="1"/>
+            <a:r>
+              <a:rPr lang="en-US" sz="1100" dirty="0"/>
+              <a:t>Consider points for Design for Test (WHAT DOES THIS MEAN???)</a:t>
+            </a:r>
+          </a:p>
+          <a:p>
+            <a:pPr lvl="1"/>
+            <a:r>
+              <a:rPr lang="en-US" sz="1100" dirty="0"/>
+              <a:t>Make reviewers aware how testability is part of your design</a:t>
+            </a:r>
+          </a:p>
+          <a:p>
+            <a:pPr lvl="1"/>
+            <a:r>
+              <a:rPr lang="en-US" sz="1100" dirty="0"/>
+              <a:t>Clear, logical testing plan on a decision tree</a:t>
+            </a:r>
+          </a:p>
+          <a:p>
+            <a:pPr lvl="1"/>
+            <a:r>
+              <a:rPr lang="en-US" sz="1100" dirty="0"/>
+              <a:t>Give an analysis of the likely failure modes</a:t>
+            </a:r>
+          </a:p>
+          <a:p>
+            <a:r>
+              <a:rPr lang="en-US"/>
+              <a:t>Test Power </a:t>
+            </a:r>
+            <a:r>
+              <a:rPr lang="en-US" dirty="0"/>
+              <a:t>Supply</a:t>
+            </a:r>
+          </a:p>
+          <a:p>
+            <a:pPr lvl="1"/>
+            <a:r>
+              <a:rPr lang="en-US" dirty="0"/>
+              <a:t>Test Barrel Jack and Rechargeable Batteries Connectors</a:t>
+            </a:r>
+          </a:p>
+          <a:p>
+            <a:pPr lvl="1"/>
+            <a:r>
+              <a:rPr lang="en-US" dirty="0"/>
+              <a:t>Test 5 V and 12 V Regulator</a:t>
+            </a:r>
+          </a:p>
+          <a:p>
+            <a:pPr lvl="1"/>
+            <a:r>
+              <a:rPr lang="en-US" dirty="0"/>
+              <a:t>Test Ideal Diode Controller</a:t>
+            </a:r>
+          </a:p>
+          <a:p>
+            <a:r>
+              <a:rPr lang="en-US" dirty="0"/>
+              <a:t>Test Connectors</a:t>
+            </a:r>
+          </a:p>
+          <a:p>
+            <a:pPr lvl="1"/>
+            <a:r>
+              <a:rPr lang="en-US" dirty="0"/>
+              <a:t>Test Raspberry Pi Connector Pins</a:t>
+            </a:r>
+          </a:p>
+          <a:p>
+            <a:pPr lvl="1"/>
+            <a:r>
+              <a:rPr lang="en-US" dirty="0"/>
+              <a:t>Test Electric Strike Connector</a:t>
+            </a:r>
+          </a:p>
+          <a:p>
+            <a:pPr lvl="1"/>
+            <a:r>
+              <a:rPr lang="en-US" dirty="0"/>
+              <a:t>Test Keypad Connector</a:t>
+            </a:r>
+          </a:p>
+          <a:p>
+            <a:r>
+              <a:rPr lang="en-US" dirty="0"/>
+              <a:t>Test Solenoid Driver</a:t>
+            </a:r>
+          </a:p>
+        </p:txBody>
+      </p:sp>
+    </p:spTree>
+    <p:extLst>
+      <p:ext uri="{BB962C8B-B14F-4D97-AF65-F5344CB8AC3E}">
+        <p14:creationId xmlns:p14="http://schemas.microsoft.com/office/powerpoint/2010/main" val="431814061"/>
+      </p:ext>
+    </p:extLst>
+  </p:cSld>
+  <p:clrMapOvr>
+    <a:masterClrMapping/>
+  </p:clrMapOvr>
+</p:sld>
+</file>
+
+<file path=ppt/slides/slide13.xml><?xml version="1.0" encoding="utf-8"?>
+<p:sld xmlns:a="http://schemas.openxmlformats.org/drawingml/2006/main" xmlns:r="http://schemas.openxmlformats.org/officeDocument/2006/relationships" xmlns:p="http://schemas.openxmlformats.org/presentationml/2006/main">
+  <p:cSld>
+    <p:spTree>
+      <p:nvGrpSpPr>
+        <p:cNvPr id="1" name=""/>
+        <p:cNvGrpSpPr/>
+        <p:nvPr/>
+      </p:nvGrpSpPr>
+      <p:grpSpPr>
+        <a:xfrm>
+          <a:off x="0" y="0"/>
+          <a:ext cx="0" cy="0"/>
+          <a:chOff x="0" y="0"/>
+          <a:chExt cx="0" cy="0"/>
+        </a:xfrm>
+      </p:grpSpPr>
+      <p:sp>
+        <p:nvSpPr>
+          <p:cNvPr id="2" name="Title 1">
+            <a:extLst>
+              <a:ext uri="{FF2B5EF4-FFF2-40B4-BE49-F238E27FC236}">
+                <a16:creationId xmlns:a16="http://schemas.microsoft.com/office/drawing/2014/main" id="{A9AE9425-AD68-46BF-A735-65428F157FDC}"/>
+              </a:ext>
+            </a:extLst>
+          </p:cNvPr>
+          <p:cNvSpPr>
+            <a:spLocks noGrp="1"/>
+          </p:cNvSpPr>
+          <p:nvPr>
+            <p:ph type="title"/>
+          </p:nvPr>
+        </p:nvSpPr>
+        <p:spPr/>
+        <p:txBody>
+          <a:bodyPr/>
+          <a:lstStyle/>
+          <a:p>
+            <a:r>
+              <a:rPr lang="en-US" dirty="0"/>
+              <a:t>Current Status</a:t>
+            </a:r>
+          </a:p>
+        </p:txBody>
+      </p:sp>
+      <p:sp>
+        <p:nvSpPr>
+          <p:cNvPr id="3" name="Content Placeholder 2">
+            <a:extLst>
+              <a:ext uri="{FF2B5EF4-FFF2-40B4-BE49-F238E27FC236}">
+                <a16:creationId xmlns:a16="http://schemas.microsoft.com/office/drawing/2014/main" id="{07923A15-9A8F-4ACF-B6D2-FCD282C56FB2}"/>
+              </a:ext>
+            </a:extLst>
+          </p:cNvPr>
+          <p:cNvSpPr>
+            <a:spLocks noGrp="1"/>
+          </p:cNvSpPr>
+          <p:nvPr>
+            <p:ph idx="1"/>
+          </p:nvPr>
+        </p:nvSpPr>
+        <p:spPr/>
+        <p:txBody>
+          <a:bodyPr/>
+          <a:lstStyle/>
+          <a:p>
+            <a:r>
+              <a:rPr lang="en-US" dirty="0"/>
+              <a:t>Explain current status of project</a:t>
+            </a:r>
+          </a:p>
+        </p:txBody>
+      </p:sp>
+    </p:spTree>
+    <p:extLst>
+      <p:ext uri="{BB962C8B-B14F-4D97-AF65-F5344CB8AC3E}">
+        <p14:creationId xmlns:p14="http://schemas.microsoft.com/office/powerpoint/2010/main" val="385084318"/>
+      </p:ext>
+    </p:extLst>
+  </p:cSld>
+  <p:clrMapOvr>
+    <a:masterClrMapping/>
+  </p:clrMapOvr>
+</p:sld>
+</file>
+
+<file path=ppt/slides/slide14.xml><?xml version="1.0" encoding="utf-8"?>
+<p:sld xmlns:a="http://schemas.openxmlformats.org/drawingml/2006/main" xmlns:r="http://schemas.openxmlformats.org/officeDocument/2006/relationships" xmlns:p="http://schemas.openxmlformats.org/presentationml/2006/main">
+  <p:cSld>
+    <p:spTree>
+      <p:nvGrpSpPr>
+        <p:cNvPr id="1" name=""/>
+        <p:cNvGrpSpPr/>
+        <p:nvPr/>
+      </p:nvGrpSpPr>
+      <p:grpSpPr>
+        <a:xfrm>
+          <a:off x="0" y="0"/>
+          <a:ext cx="0" cy="0"/>
+          <a:chOff x="0" y="0"/>
+          <a:chExt cx="0" cy="0"/>
+        </a:xfrm>
+      </p:grpSpPr>
+      <p:sp>
+        <p:nvSpPr>
+          <p:cNvPr id="2" name="Title 1">
+            <a:extLst>
+              <a:ext uri="{FF2B5EF4-FFF2-40B4-BE49-F238E27FC236}">
+                <a16:creationId xmlns:a16="http://schemas.microsoft.com/office/drawing/2014/main" id="{CF8074CB-7022-4863-A53F-64D83BB3873C}"/>
+              </a:ext>
+            </a:extLst>
+          </p:cNvPr>
+          <p:cNvSpPr>
+            <a:spLocks noGrp="1"/>
+          </p:cNvSpPr>
+          <p:nvPr>
+            <p:ph type="title"/>
+          </p:nvPr>
+        </p:nvSpPr>
+        <p:spPr/>
+        <p:txBody>
+          <a:bodyPr/>
+          <a:lstStyle/>
+          <a:p>
+            <a:r>
+              <a:rPr lang="en-US" dirty="0"/>
+              <a:t>GANTT Chart</a:t>
+            </a:r>
+          </a:p>
+        </p:txBody>
+      </p:sp>
+      <p:sp>
+        <p:nvSpPr>
+          <p:cNvPr id="3" name="Content Placeholder 2">
+            <a:extLst>
+              <a:ext uri="{FF2B5EF4-FFF2-40B4-BE49-F238E27FC236}">
+                <a16:creationId xmlns:a16="http://schemas.microsoft.com/office/drawing/2014/main" id="{7A964915-3722-47F3-8BF7-F3526A1D4521}"/>
+              </a:ext>
+            </a:extLst>
+          </p:cNvPr>
+          <p:cNvSpPr>
+            <a:spLocks noGrp="1"/>
+          </p:cNvSpPr>
+          <p:nvPr>
+            <p:ph idx="1"/>
+          </p:nvPr>
+        </p:nvSpPr>
+        <p:spPr/>
+        <p:txBody>
+          <a:bodyPr/>
+          <a:lstStyle/>
+          <a:p>
+            <a:r>
+              <a:rPr lang="en-US" dirty="0"/>
+              <a:t>Include original GANTT chart</a:t>
+            </a:r>
+          </a:p>
+          <a:p>
+            <a:r>
+              <a:rPr lang="en-US" dirty="0"/>
+              <a:t>Present revised GANTT chart based on current experience</a:t>
+            </a:r>
+          </a:p>
+          <a:p>
+            <a:pPr lvl="1"/>
+            <a:r>
+              <a:rPr lang="en-US" dirty="0"/>
+              <a:t>Do this in reverse format (start with what needs to be finished at end and work back to today)</a:t>
+            </a:r>
+          </a:p>
+        </p:txBody>
+      </p:sp>
+    </p:spTree>
+    <p:extLst>
+      <p:ext uri="{BB962C8B-B14F-4D97-AF65-F5344CB8AC3E}">
+        <p14:creationId xmlns:p14="http://schemas.microsoft.com/office/powerpoint/2010/main" val="1517675218"/>
+      </p:ext>
+    </p:extLst>
+  </p:cSld>
+  <p:clrMapOvr>
+    <a:masterClrMapping/>
+  </p:clrMapOvr>
+</p:sld>
+</file>
+
+<file path=ppt/slides/slide15.xml><?xml version="1.0" encoding="utf-8"?>
+<p:sld xmlns:a="http://schemas.openxmlformats.org/drawingml/2006/main" xmlns:r="http://schemas.openxmlformats.org/officeDocument/2006/relationships" xmlns:p="http://schemas.openxmlformats.org/presentationml/2006/main">
+  <p:cSld>
+    <p:spTree>
+      <p:nvGrpSpPr>
+        <p:cNvPr id="1" name=""/>
+        <p:cNvGrpSpPr/>
+        <p:nvPr/>
+      </p:nvGrpSpPr>
+      <p:grpSpPr>
+        <a:xfrm>
+          <a:off x="0" y="0"/>
+          <a:ext cx="0" cy="0"/>
+          <a:chOff x="0" y="0"/>
+          <a:chExt cx="0" cy="0"/>
+        </a:xfrm>
+      </p:grpSpPr>
+      <p:sp>
+        <p:nvSpPr>
+          <p:cNvPr id="2" name="Title 1">
+            <a:extLst>
+              <a:ext uri="{FF2B5EF4-FFF2-40B4-BE49-F238E27FC236}">
+                <a16:creationId xmlns:a16="http://schemas.microsoft.com/office/drawing/2014/main" id="{F98C3CDD-CA10-4037-AEEF-D172EE57C974}"/>
+              </a:ext>
+            </a:extLst>
+          </p:cNvPr>
+          <p:cNvSpPr>
+            <a:spLocks noGrp="1"/>
+          </p:cNvSpPr>
+          <p:nvPr>
+            <p:ph type="title"/>
+          </p:nvPr>
+        </p:nvSpPr>
+        <p:spPr/>
+        <p:txBody>
+          <a:bodyPr/>
+          <a:lstStyle/>
+          <a:p>
+            <a:r>
+              <a:rPr lang="en-US" dirty="0"/>
+              <a:t>Questions</a:t>
+            </a:r>
+          </a:p>
+        </p:txBody>
+      </p:sp>
+      <p:sp>
+        <p:nvSpPr>
+          <p:cNvPr id="3" name="Content Placeholder 2">
+            <a:extLst>
+              <a:ext uri="{FF2B5EF4-FFF2-40B4-BE49-F238E27FC236}">
+                <a16:creationId xmlns:a16="http://schemas.microsoft.com/office/drawing/2014/main" id="{9E340FB4-086A-4554-A3AE-C543EE6BDE27}"/>
+              </a:ext>
+            </a:extLst>
+          </p:cNvPr>
+          <p:cNvSpPr>
+            <a:spLocks noGrp="1"/>
+          </p:cNvSpPr>
+          <p:nvPr>
+            <p:ph idx="1"/>
+          </p:nvPr>
+        </p:nvSpPr>
+        <p:spPr/>
+        <p:txBody>
+          <a:bodyPr/>
+          <a:lstStyle/>
+          <a:p>
+            <a:r>
+              <a:rPr lang="en-US" dirty="0"/>
+              <a:t>Allow 2 minutes extra for questions</a:t>
+            </a:r>
+          </a:p>
+        </p:txBody>
+      </p:sp>
+    </p:spTree>
+    <p:extLst>
+      <p:ext uri="{BB962C8B-B14F-4D97-AF65-F5344CB8AC3E}">
+        <p14:creationId xmlns:p14="http://schemas.microsoft.com/office/powerpoint/2010/main" val="1248613211"/>
+      </p:ext>
+    </p:extLst>
+  </p:cSld>
+  <p:clrMapOvr>
+    <a:masterClrMapping/>
+  </p:clrMapOvr>
+</p:sld>
+</file>
+
+<file path=ppt/slides/slide2.xml><?xml version="1.0" encoding="utf-8"?>
+<p:sld xmlns:a="http://schemas.openxmlformats.org/drawingml/2006/main" xmlns:r="http://schemas.openxmlformats.org/officeDocument/2006/relationships" xmlns:p="http://schemas.openxmlformats.org/presentationml/2006/main">
+  <p:cSld>
+    <p:spTree>
+      <p:nvGrpSpPr>
+        <p:cNvPr id="1" name=""/>
+        <p:cNvGrpSpPr/>
+        <p:nvPr/>
+      </p:nvGrpSpPr>
+      <p:grpSpPr>
+        <a:xfrm>
+          <a:off x="0" y="0"/>
+          <a:ext cx="0" cy="0"/>
+          <a:chOff x="0" y="0"/>
+          <a:chExt cx="0" cy="0"/>
+        </a:xfrm>
+      </p:grpSpPr>
+      <p:sp>
+        <p:nvSpPr>
+          <p:cNvPr id="2" name="Title 1">
+            <a:extLst>
+              <a:ext uri="{FF2B5EF4-FFF2-40B4-BE49-F238E27FC236}">
+                <a16:creationId xmlns:a16="http://schemas.microsoft.com/office/drawing/2014/main" id="{5E82B009-B5AB-41D8-B547-21D43FCDDC15}"/>
+              </a:ext>
+            </a:extLst>
+          </p:cNvPr>
+          <p:cNvSpPr>
+            <a:spLocks noGrp="1"/>
+          </p:cNvSpPr>
+          <p:nvPr>
+            <p:ph type="title"/>
+          </p:nvPr>
+        </p:nvSpPr>
+        <p:spPr/>
+        <p:txBody>
+          <a:bodyPr/>
+          <a:lstStyle/>
+          <a:p>
+            <a:r>
+              <a:rPr lang="en-US" dirty="0"/>
+              <a:t>Block Diagrams</a:t>
+            </a:r>
+          </a:p>
+        </p:txBody>
+      </p:sp>
+      <p:pic>
+        <p:nvPicPr>
+          <p:cNvPr id="6" name="Picture 4" descr="96BB2-056-F-EL | Keypads | Grayhill">
+            <a:extLst>
+              <a:ext uri="{FF2B5EF4-FFF2-40B4-BE49-F238E27FC236}">
+                <a16:creationId xmlns:a16="http://schemas.microsoft.com/office/drawing/2014/main" id="{81CC272D-3799-41BC-AFE1-F9AE4E35FC70}"/>
+              </a:ext>
+            </a:extLst>
+          </p:cNvPr>
+          <p:cNvPicPr>
+            <a:picLocks noChangeAspect="1" noChangeArrowheads="1"/>
+          </p:cNvPicPr>
+          <p:nvPr/>
+        </p:nvPicPr>
+        <p:blipFill rotWithShape="1">
+          <a:blip r:embed="rId2">
+            <a:extLst>
+              <a:ext uri="{28A0092B-C50C-407E-A947-70E740481C1C}">
+                <a14:useLocalDpi xmlns:a14="http://schemas.microsoft.com/office/drawing/2010/main" val="0"/>
+              </a:ext>
+            </a:extLst>
+          </a:blip>
+          <a:srcRect l="19000" t="4450" r="23000" b="2667"/>
+          <a:stretch/>
+        </p:blipFill>
+        <p:spPr bwMode="auto">
+          <a:xfrm>
+            <a:off x="315068" y="1637722"/>
+            <a:ext cx="1536375" cy="1845285"/>
+          </a:xfrm>
+          <a:prstGeom prst="rect">
+            <a:avLst/>
+          </a:prstGeom>
+          <a:noFill/>
+          <a:extLst>
+            <a:ext uri="{909E8E84-426E-40DD-AFC4-6F175D3DCCD1}">
+              <a14:hiddenFill xmlns:a14="http://schemas.microsoft.com/office/drawing/2010/main">
+                <a:solidFill>
+                  <a:srgbClr val="FFFFFF"/>
+                </a:solidFill>
+              </a14:hiddenFill>
+            </a:ext>
+          </a:extLst>
+        </p:spPr>
+      </p:pic>
+      <p:pic>
+        <p:nvPicPr>
+          <p:cNvPr id="7" name="Picture 6" descr="AWS Announces General Availability of Its Quantum Algorithm Design Service">
+            <a:extLst>
+              <a:ext uri="{FF2B5EF4-FFF2-40B4-BE49-F238E27FC236}">
+                <a16:creationId xmlns:a16="http://schemas.microsoft.com/office/drawing/2014/main" id="{C68E759F-F31A-488D-B1BC-26392EFE058C}"/>
+              </a:ext>
+            </a:extLst>
+          </p:cNvPr>
+          <p:cNvPicPr>
+            <a:picLocks noChangeAspect="1" noChangeArrowheads="1"/>
+          </p:cNvPicPr>
+          <p:nvPr/>
+        </p:nvPicPr>
+        <p:blipFill>
+          <a:blip r:embed="rId3" cstate="print">
+            <a:extLst>
+              <a:ext uri="{28A0092B-C50C-407E-A947-70E740481C1C}">
+                <a14:useLocalDpi xmlns:a14="http://schemas.microsoft.com/office/drawing/2010/main" val="0"/>
+              </a:ext>
+            </a:extLst>
+          </a:blip>
+          <a:srcRect/>
+          <a:stretch>
+            <a:fillRect/>
+          </a:stretch>
+        </p:blipFill>
+        <p:spPr bwMode="auto">
+          <a:xfrm>
+            <a:off x="6506380" y="3825588"/>
+            <a:ext cx="2974887" cy="2231165"/>
+          </a:xfrm>
+          <a:prstGeom prst="rect">
+            <a:avLst/>
+          </a:prstGeom>
+          <a:noFill/>
+          <a:extLst>
+            <a:ext uri="{909E8E84-426E-40DD-AFC4-6F175D3DCCD1}">
+              <a14:hiddenFill xmlns:a14="http://schemas.microsoft.com/office/drawing/2010/main">
+                <a:solidFill>
+                  <a:srgbClr val="FFFFFF"/>
+                </a:solidFill>
+              </a14:hiddenFill>
+            </a:ext>
+          </a:extLst>
+        </p:spPr>
+      </p:pic>
+      <p:pic>
+        <p:nvPicPr>
+          <p:cNvPr id="8" name="Picture 8" descr="Raspberry Pi Camera Board v2.1 (8MP, 1080p) – Pi Supply">
+            <a:extLst>
+              <a:ext uri="{FF2B5EF4-FFF2-40B4-BE49-F238E27FC236}">
+                <a16:creationId xmlns:a16="http://schemas.microsoft.com/office/drawing/2014/main" id="{B333C12D-E709-4114-81D4-8B110CDE0EB6}"/>
+              </a:ext>
+            </a:extLst>
+          </p:cNvPr>
+          <p:cNvPicPr>
+            <a:picLocks noChangeAspect="1" noChangeArrowheads="1"/>
+          </p:cNvPicPr>
+          <p:nvPr/>
+        </p:nvPicPr>
+        <p:blipFill rotWithShape="1">
+          <a:blip r:embed="rId4">
+            <a:extLst>
+              <a:ext uri="{28A0092B-C50C-407E-A947-70E740481C1C}">
+                <a14:useLocalDpi xmlns:a14="http://schemas.microsoft.com/office/drawing/2010/main" val="0"/>
+              </a:ext>
+            </a:extLst>
+          </a:blip>
+          <a:srcRect l="11964" t="16477" r="12019" b="18283"/>
+          <a:stretch/>
+        </p:blipFill>
+        <p:spPr bwMode="auto">
+          <a:xfrm>
+            <a:off x="345975" y="4641523"/>
+            <a:ext cx="1474559" cy="1265523"/>
+          </a:xfrm>
+          <a:prstGeom prst="rect">
+            <a:avLst/>
+          </a:prstGeom>
+          <a:noFill/>
+          <a:extLst>
+            <a:ext uri="{909E8E84-426E-40DD-AFC4-6F175D3DCCD1}">
+              <a14:hiddenFill xmlns:a14="http://schemas.microsoft.com/office/drawing/2010/main">
+                <a:solidFill>
+                  <a:srgbClr val="FFFFFF"/>
+                </a:solidFill>
+              </a14:hiddenFill>
+            </a:ext>
+          </a:extLst>
+        </p:spPr>
+      </p:pic>
+      <p:pic>
+        <p:nvPicPr>
+          <p:cNvPr id="9" name="Picture 10" descr="UHPPOTE ANSI Standard Heavy Duty Electric Strike Lock Fail Secure for Door  Access Control System Mortise or Cylindrical Lock - - Amazon.com">
+            <a:extLst>
+              <a:ext uri="{FF2B5EF4-FFF2-40B4-BE49-F238E27FC236}">
+                <a16:creationId xmlns:a16="http://schemas.microsoft.com/office/drawing/2014/main" id="{CDA6BBFE-4705-4481-B9B6-D9930211F19B}"/>
+              </a:ext>
+            </a:extLst>
+          </p:cNvPr>
+          <p:cNvPicPr>
+            <a:picLocks noChangeAspect="1" noChangeArrowheads="1"/>
+          </p:cNvPicPr>
+          <p:nvPr/>
+        </p:nvPicPr>
+        <p:blipFill>
+          <a:blip r:embed="rId5" cstate="print">
+            <a:extLst>
+              <a:ext uri="{28A0092B-C50C-407E-A947-70E740481C1C}">
+                <a14:useLocalDpi xmlns:a14="http://schemas.microsoft.com/office/drawing/2010/main" val="0"/>
+              </a:ext>
+            </a:extLst>
+          </a:blip>
+          <a:srcRect/>
+          <a:stretch>
+            <a:fillRect/>
+          </a:stretch>
+        </p:blipFill>
+        <p:spPr bwMode="auto">
+          <a:xfrm>
+            <a:off x="6747115" y="1455328"/>
+            <a:ext cx="2150723" cy="1577085"/>
+          </a:xfrm>
+          <a:prstGeom prst="rect">
+            <a:avLst/>
+          </a:prstGeom>
+          <a:noFill/>
+          <a:extLst>
+            <a:ext uri="{909E8E84-426E-40DD-AFC4-6F175D3DCCD1}">
+              <a14:hiddenFill xmlns:a14="http://schemas.microsoft.com/office/drawing/2010/main">
+                <a:solidFill>
+                  <a:srgbClr val="FFFFFF"/>
+                </a:solidFill>
+              </a14:hiddenFill>
+            </a:ext>
+          </a:extLst>
+        </p:spPr>
+      </p:pic>
+      <p:pic>
+        <p:nvPicPr>
+          <p:cNvPr id="10" name="Picture 12" descr="Secured package flat icon Royalty Free Vector Image">
+            <a:extLst>
+              <a:ext uri="{FF2B5EF4-FFF2-40B4-BE49-F238E27FC236}">
+                <a16:creationId xmlns:a16="http://schemas.microsoft.com/office/drawing/2014/main" id="{2019BCC7-A659-472B-820F-0E97BA7A7225}"/>
+              </a:ext>
+            </a:extLst>
+          </p:cNvPr>
+          <p:cNvPicPr>
+            <a:picLocks noChangeAspect="1" noChangeArrowheads="1"/>
+          </p:cNvPicPr>
+          <p:nvPr/>
+        </p:nvPicPr>
+        <p:blipFill rotWithShape="1">
+          <a:blip r:embed="rId6" cstate="print">
+            <a:extLst>
+              <a:ext uri="{28A0092B-C50C-407E-A947-70E740481C1C}">
+                <a14:useLocalDpi xmlns:a14="http://schemas.microsoft.com/office/drawing/2010/main" val="0"/>
+              </a:ext>
+            </a:extLst>
+          </a:blip>
+          <a:srcRect l="17201" t="10000" r="17199" b="32963"/>
+          <a:stretch/>
+        </p:blipFill>
+        <p:spPr bwMode="auto">
+          <a:xfrm>
+            <a:off x="9886999" y="1232583"/>
+            <a:ext cx="2039249" cy="1914904"/>
+          </a:xfrm>
+          <a:prstGeom prst="rect">
+            <a:avLst/>
+          </a:prstGeom>
+          <a:noFill/>
+          <a:extLst>
+            <a:ext uri="{909E8E84-426E-40DD-AFC4-6F175D3DCCD1}">
+              <a14:hiddenFill xmlns:a14="http://schemas.microsoft.com/office/drawing/2010/main">
+                <a:solidFill>
+                  <a:srgbClr val="FFFFFF"/>
+                </a:solidFill>
+              </a14:hiddenFill>
+            </a:ext>
+          </a:extLst>
+        </p:spPr>
+      </p:pic>
+      <p:pic>
+        <p:nvPicPr>
+          <p:cNvPr id="11" name="Picture 14" descr="Web Application vs Website - What&amp;#39;s the Difference?">
+            <a:extLst>
+              <a:ext uri="{FF2B5EF4-FFF2-40B4-BE49-F238E27FC236}">
+                <a16:creationId xmlns:a16="http://schemas.microsoft.com/office/drawing/2014/main" id="{FDBCC3E4-6522-4BB0-BF08-A93A47315389}"/>
+              </a:ext>
+            </a:extLst>
+          </p:cNvPr>
+          <p:cNvPicPr>
+            <a:picLocks noChangeAspect="1" noChangeArrowheads="1"/>
+          </p:cNvPicPr>
+          <p:nvPr/>
+        </p:nvPicPr>
+        <p:blipFill rotWithShape="1">
+          <a:blip r:embed="rId7">
+            <a:extLst>
+              <a:ext uri="{28A0092B-C50C-407E-A947-70E740481C1C}">
+                <a14:useLocalDpi xmlns:a14="http://schemas.microsoft.com/office/drawing/2010/main" val="0"/>
+              </a:ext>
+            </a:extLst>
+          </a:blip>
+          <a:srcRect l="5334" t="18019" r="55333" b="8825"/>
+          <a:stretch/>
+        </p:blipFill>
+        <p:spPr bwMode="auto">
+          <a:xfrm>
+            <a:off x="9907100" y="3864882"/>
+            <a:ext cx="2206499" cy="2325530"/>
+          </a:xfrm>
+          <a:prstGeom prst="rect">
+            <a:avLst/>
+          </a:prstGeom>
+          <a:noFill/>
+          <a:extLst>
+            <a:ext uri="{909E8E84-426E-40DD-AFC4-6F175D3DCCD1}">
+              <a14:hiddenFill xmlns:a14="http://schemas.microsoft.com/office/drawing/2010/main">
+                <a:solidFill>
+                  <a:srgbClr val="FFFFFF"/>
+                </a:solidFill>
+              </a14:hiddenFill>
+            </a:ext>
+          </a:extLst>
+        </p:spPr>
+      </p:pic>
+      <p:sp>
+        <p:nvSpPr>
+          <p:cNvPr id="12" name="TextBox 11">
+            <a:extLst>
+              <a:ext uri="{FF2B5EF4-FFF2-40B4-BE49-F238E27FC236}">
+                <a16:creationId xmlns:a16="http://schemas.microsoft.com/office/drawing/2014/main" id="{8AB539B6-B42E-42C5-918A-3E8B0B9070C4}"/>
+              </a:ext>
+            </a:extLst>
+          </p:cNvPr>
+          <p:cNvSpPr txBox="1"/>
+          <p:nvPr/>
+        </p:nvSpPr>
+        <p:spPr>
+          <a:xfrm>
+            <a:off x="9767264" y="3027277"/>
+            <a:ext cx="2425059" cy="523220"/>
+          </a:xfrm>
+          <a:prstGeom prst="rect">
+            <a:avLst/>
+          </a:prstGeom>
+          <a:noFill/>
+        </p:spPr>
+        <p:txBody>
+          <a:bodyPr wrap="square" rtlCol="0">
+            <a:spAutoFit/>
+          </a:bodyPr>
+          <a:lstStyle/>
+          <a:p>
+            <a:r>
+              <a:rPr lang="en-US" sz="2800" dirty="0"/>
+              <a:t>Secure Package</a:t>
+            </a:r>
+          </a:p>
+        </p:txBody>
+      </p:sp>
+      <p:sp>
+        <p:nvSpPr>
+          <p:cNvPr id="13" name="TextBox 12">
+            <a:extLst>
+              <a:ext uri="{FF2B5EF4-FFF2-40B4-BE49-F238E27FC236}">
+                <a16:creationId xmlns:a16="http://schemas.microsoft.com/office/drawing/2014/main" id="{E129E686-EAB8-4100-BF4C-858806B00F08}"/>
+              </a:ext>
+            </a:extLst>
+          </p:cNvPr>
+          <p:cNvSpPr txBox="1"/>
+          <p:nvPr/>
+        </p:nvSpPr>
+        <p:spPr>
+          <a:xfrm>
+            <a:off x="6771321" y="3027277"/>
+            <a:ext cx="2601303" cy="523220"/>
+          </a:xfrm>
+          <a:prstGeom prst="rect">
+            <a:avLst/>
+          </a:prstGeom>
+          <a:noFill/>
+        </p:spPr>
+        <p:txBody>
+          <a:bodyPr wrap="square" rtlCol="0">
+            <a:spAutoFit/>
+          </a:bodyPr>
+          <a:lstStyle/>
+          <a:p>
+            <a:r>
+              <a:rPr lang="en-US" sz="2800" dirty="0"/>
+              <a:t>Lock Mechanism</a:t>
+            </a:r>
+          </a:p>
+        </p:txBody>
+      </p:sp>
+      <p:pic>
+        <p:nvPicPr>
+          <p:cNvPr id="15" name="Picture 18" descr="Raspberry Pi 3 Model B | The Pi Hut">
+            <a:extLst>
+              <a:ext uri="{FF2B5EF4-FFF2-40B4-BE49-F238E27FC236}">
+                <a16:creationId xmlns:a16="http://schemas.microsoft.com/office/drawing/2014/main" id="{67B42291-5D59-401A-B5F7-1C717233336A}"/>
+              </a:ext>
+            </a:extLst>
+          </p:cNvPr>
+          <p:cNvPicPr>
+            <a:picLocks noChangeAspect="1" noChangeArrowheads="1"/>
+          </p:cNvPicPr>
+          <p:nvPr/>
+        </p:nvPicPr>
+        <p:blipFill rotWithShape="1">
+          <a:blip r:embed="rId8">
+            <a:extLst>
+              <a:ext uri="{28A0092B-C50C-407E-A947-70E740481C1C}">
+                <a14:useLocalDpi xmlns:a14="http://schemas.microsoft.com/office/drawing/2010/main" val="0"/>
+              </a:ext>
+            </a:extLst>
+          </a:blip>
+          <a:srcRect t="18000" b="14611"/>
+          <a:stretch/>
+        </p:blipFill>
+        <p:spPr bwMode="auto">
+          <a:xfrm rot="16200000">
+            <a:off x="2128855" y="2252347"/>
+            <a:ext cx="4834029" cy="3257594"/>
+          </a:xfrm>
+          <a:prstGeom prst="rect">
+            <a:avLst/>
+          </a:prstGeom>
+          <a:noFill/>
+          <a:extLst>
+            <a:ext uri="{909E8E84-426E-40DD-AFC4-6F175D3DCCD1}">
+              <a14:hiddenFill xmlns:a14="http://schemas.microsoft.com/office/drawing/2010/main">
+                <a:solidFill>
+                  <a:srgbClr val="FFFFFF"/>
+                </a:solidFill>
+              </a14:hiddenFill>
+            </a:ext>
+          </a:extLst>
+        </p:spPr>
+      </p:pic>
+      <p:sp>
+        <p:nvSpPr>
+          <p:cNvPr id="21" name="TextBox 20">
+            <a:extLst>
+              <a:ext uri="{FF2B5EF4-FFF2-40B4-BE49-F238E27FC236}">
+                <a16:creationId xmlns:a16="http://schemas.microsoft.com/office/drawing/2014/main" id="{FDE8B766-0BFD-4163-B678-9A686A453A35}"/>
+              </a:ext>
+            </a:extLst>
+          </p:cNvPr>
+          <p:cNvSpPr txBox="1"/>
+          <p:nvPr/>
+        </p:nvSpPr>
+        <p:spPr>
+          <a:xfrm>
+            <a:off x="484717" y="3429000"/>
+            <a:ext cx="1258891" cy="523220"/>
+          </a:xfrm>
+          <a:prstGeom prst="rect">
+            <a:avLst/>
+          </a:prstGeom>
+          <a:noFill/>
+        </p:spPr>
+        <p:txBody>
+          <a:bodyPr wrap="square" rtlCol="0">
+            <a:spAutoFit/>
+          </a:bodyPr>
+          <a:lstStyle/>
+          <a:p>
+            <a:r>
+              <a:rPr lang="en-US" sz="2800" dirty="0"/>
+              <a:t>Keypad</a:t>
+            </a:r>
+          </a:p>
+        </p:txBody>
+      </p:sp>
+      <p:sp>
+        <p:nvSpPr>
+          <p:cNvPr id="22" name="TextBox 21">
+            <a:extLst>
+              <a:ext uri="{FF2B5EF4-FFF2-40B4-BE49-F238E27FC236}">
+                <a16:creationId xmlns:a16="http://schemas.microsoft.com/office/drawing/2014/main" id="{C61C3AA6-2422-42EE-ACFF-9AA0BB845020}"/>
+              </a:ext>
+            </a:extLst>
+          </p:cNvPr>
+          <p:cNvSpPr txBox="1"/>
+          <p:nvPr/>
+        </p:nvSpPr>
+        <p:spPr>
+          <a:xfrm>
+            <a:off x="429635" y="5795143"/>
+            <a:ext cx="1307238" cy="523220"/>
+          </a:xfrm>
+          <a:prstGeom prst="rect">
+            <a:avLst/>
+          </a:prstGeom>
+          <a:noFill/>
+        </p:spPr>
+        <p:txBody>
+          <a:bodyPr wrap="square" rtlCol="0">
+            <a:spAutoFit/>
+          </a:bodyPr>
+          <a:lstStyle/>
+          <a:p>
+            <a:r>
+              <a:rPr lang="en-US" sz="2800" dirty="0"/>
+              <a:t>Camera</a:t>
+            </a:r>
+          </a:p>
+        </p:txBody>
+      </p:sp>
+      <p:sp>
+        <p:nvSpPr>
+          <p:cNvPr id="23" name="TextBox 22">
+            <a:extLst>
+              <a:ext uri="{FF2B5EF4-FFF2-40B4-BE49-F238E27FC236}">
+                <a16:creationId xmlns:a16="http://schemas.microsoft.com/office/drawing/2014/main" id="{111D5050-C8AF-43B2-8A3E-79E392A58FED}"/>
+              </a:ext>
+            </a:extLst>
+          </p:cNvPr>
+          <p:cNvSpPr txBox="1"/>
+          <p:nvPr/>
+        </p:nvSpPr>
+        <p:spPr>
+          <a:xfrm>
+            <a:off x="3542762" y="6210892"/>
+            <a:ext cx="2006214" cy="523220"/>
+          </a:xfrm>
+          <a:prstGeom prst="rect">
+            <a:avLst/>
+          </a:prstGeom>
+          <a:noFill/>
+        </p:spPr>
+        <p:txBody>
+          <a:bodyPr wrap="square" rtlCol="0">
+            <a:spAutoFit/>
+          </a:bodyPr>
+          <a:lstStyle/>
+          <a:p>
+            <a:r>
+              <a:rPr lang="en-US" sz="2800" dirty="0"/>
+              <a:t>Raspberry Pi</a:t>
+            </a:r>
+          </a:p>
+        </p:txBody>
+      </p:sp>
+      <p:sp>
+        <p:nvSpPr>
+          <p:cNvPr id="24" name="TextBox 23">
+            <a:extLst>
+              <a:ext uri="{FF2B5EF4-FFF2-40B4-BE49-F238E27FC236}">
+                <a16:creationId xmlns:a16="http://schemas.microsoft.com/office/drawing/2014/main" id="{E29E11E0-E2FB-4878-BCDC-A4E6108F9CA7}"/>
+              </a:ext>
+            </a:extLst>
+          </p:cNvPr>
+          <p:cNvSpPr txBox="1"/>
+          <p:nvPr/>
+        </p:nvSpPr>
+        <p:spPr>
+          <a:xfrm>
+            <a:off x="6895890" y="5687672"/>
+            <a:ext cx="2206499" cy="523220"/>
+          </a:xfrm>
+          <a:prstGeom prst="rect">
+            <a:avLst/>
+          </a:prstGeom>
+          <a:noFill/>
+        </p:spPr>
+        <p:txBody>
+          <a:bodyPr wrap="square" rtlCol="0">
+            <a:spAutoFit/>
+          </a:bodyPr>
+          <a:lstStyle/>
+          <a:p>
+            <a:r>
+              <a:rPr lang="en-US" sz="2800" dirty="0"/>
+              <a:t>Cloud Storage</a:t>
+            </a:r>
+          </a:p>
+        </p:txBody>
+      </p:sp>
+      <p:sp>
+        <p:nvSpPr>
+          <p:cNvPr id="25" name="TextBox 24">
+            <a:extLst>
+              <a:ext uri="{FF2B5EF4-FFF2-40B4-BE49-F238E27FC236}">
+                <a16:creationId xmlns:a16="http://schemas.microsoft.com/office/drawing/2014/main" id="{27CF35A7-4E8A-4FA0-8C9A-68455204A65A}"/>
+              </a:ext>
+            </a:extLst>
+          </p:cNvPr>
+          <p:cNvSpPr txBox="1"/>
+          <p:nvPr/>
+        </p:nvSpPr>
+        <p:spPr>
+          <a:xfrm>
+            <a:off x="9866140" y="6211227"/>
+            <a:ext cx="2288420" cy="523220"/>
+          </a:xfrm>
+          <a:prstGeom prst="rect">
+            <a:avLst/>
+          </a:prstGeom>
+          <a:noFill/>
+        </p:spPr>
+        <p:txBody>
+          <a:bodyPr wrap="square" rtlCol="0">
+            <a:spAutoFit/>
+          </a:bodyPr>
+          <a:lstStyle/>
+          <a:p>
+            <a:r>
+              <a:rPr lang="en-US" sz="2800" dirty="0"/>
+              <a:t>User Interface</a:t>
+            </a:r>
+          </a:p>
+        </p:txBody>
+      </p:sp>
+      <p:sp>
+        <p:nvSpPr>
+          <p:cNvPr id="27" name="Arrow: Right 26">
+            <a:extLst>
+              <a:ext uri="{FF2B5EF4-FFF2-40B4-BE49-F238E27FC236}">
+                <a16:creationId xmlns:a16="http://schemas.microsoft.com/office/drawing/2014/main" id="{63BA444D-4838-4E71-AEDF-E960F9B4EA76}"/>
+              </a:ext>
+            </a:extLst>
+          </p:cNvPr>
+          <p:cNvSpPr/>
+          <p:nvPr/>
+        </p:nvSpPr>
+        <p:spPr>
+          <a:xfrm>
+            <a:off x="1927911" y="2130783"/>
+            <a:ext cx="935665" cy="489097"/>
+          </a:xfrm>
+          <a:prstGeom prst="rightArrow">
+            <a:avLst/>
+          </a:prstGeom>
+        </p:spPr>
+        <p:style>
+          <a:lnRef idx="2">
+            <a:schemeClr val="accent1">
+              <a:shade val="50000"/>
+            </a:schemeClr>
+          </a:lnRef>
+          <a:fillRef idx="1">
+            <a:schemeClr val="accent1"/>
+          </a:fillRef>
+          <a:effectRef idx="0">
+            <a:schemeClr val="accent1"/>
+          </a:effectRef>
+          <a:fontRef idx="minor">
+            <a:schemeClr val="lt1"/>
+          </a:fontRef>
+        </p:style>
+        <p:txBody>
+          <a:bodyPr rtlCol="0" anchor="ctr"/>
+          <a:lstStyle/>
+          <a:p>
+            <a:pPr algn="ctr"/>
+            <a:endParaRPr lang="en-US"/>
+          </a:p>
+        </p:txBody>
+      </p:sp>
+      <p:sp>
+        <p:nvSpPr>
+          <p:cNvPr id="28" name="Arrow: Right 27">
+            <a:extLst>
+              <a:ext uri="{FF2B5EF4-FFF2-40B4-BE49-F238E27FC236}">
+                <a16:creationId xmlns:a16="http://schemas.microsoft.com/office/drawing/2014/main" id="{00856446-3DC0-46BF-B171-12020FD3DADC}"/>
+              </a:ext>
+            </a:extLst>
+          </p:cNvPr>
+          <p:cNvSpPr/>
+          <p:nvPr/>
+        </p:nvSpPr>
+        <p:spPr>
+          <a:xfrm>
+            <a:off x="6060373" y="2156086"/>
+            <a:ext cx="799545" cy="489097"/>
+          </a:xfrm>
+          <a:prstGeom prst="rightArrow">
+            <a:avLst/>
+          </a:prstGeom>
+        </p:spPr>
+        <p:style>
+          <a:lnRef idx="2">
+            <a:schemeClr val="accent1">
+              <a:shade val="50000"/>
+            </a:schemeClr>
+          </a:lnRef>
+          <a:fillRef idx="1">
+            <a:schemeClr val="accent1"/>
+          </a:fillRef>
+          <a:effectRef idx="0">
+            <a:schemeClr val="accent1"/>
+          </a:effectRef>
+          <a:fontRef idx="minor">
+            <a:schemeClr val="lt1"/>
+          </a:fontRef>
+        </p:style>
+        <p:txBody>
+          <a:bodyPr rtlCol="0" anchor="ctr"/>
+          <a:lstStyle/>
+          <a:p>
+            <a:pPr algn="ctr"/>
+            <a:endParaRPr lang="en-US"/>
+          </a:p>
+        </p:txBody>
+      </p:sp>
+      <p:sp>
+        <p:nvSpPr>
+          <p:cNvPr id="29" name="Arrow: Right 28">
+            <a:extLst>
+              <a:ext uri="{FF2B5EF4-FFF2-40B4-BE49-F238E27FC236}">
+                <a16:creationId xmlns:a16="http://schemas.microsoft.com/office/drawing/2014/main" id="{8B9D8908-F90C-42B1-8906-EF35D278DDBD}"/>
+              </a:ext>
+            </a:extLst>
+          </p:cNvPr>
+          <p:cNvSpPr/>
+          <p:nvPr/>
+        </p:nvSpPr>
+        <p:spPr>
+          <a:xfrm>
+            <a:off x="9027586" y="2156086"/>
+            <a:ext cx="799545" cy="489097"/>
+          </a:xfrm>
+          <a:prstGeom prst="rightArrow">
+            <a:avLst/>
+          </a:prstGeom>
+        </p:spPr>
+        <p:style>
+          <a:lnRef idx="2">
+            <a:schemeClr val="accent1">
+              <a:shade val="50000"/>
+            </a:schemeClr>
+          </a:lnRef>
+          <a:fillRef idx="1">
+            <a:schemeClr val="accent1"/>
+          </a:fillRef>
+          <a:effectRef idx="0">
+            <a:schemeClr val="accent1"/>
+          </a:effectRef>
+          <a:fontRef idx="minor">
+            <a:schemeClr val="lt1"/>
+          </a:fontRef>
+        </p:style>
+        <p:txBody>
+          <a:bodyPr rtlCol="0" anchor="ctr"/>
+          <a:lstStyle/>
+          <a:p>
+            <a:pPr algn="ctr"/>
+            <a:endParaRPr lang="en-US"/>
+          </a:p>
+        </p:txBody>
+      </p:sp>
+      <p:sp>
+        <p:nvSpPr>
+          <p:cNvPr id="30" name="Arrow: Right 29">
+            <a:extLst>
+              <a:ext uri="{FF2B5EF4-FFF2-40B4-BE49-F238E27FC236}">
+                <a16:creationId xmlns:a16="http://schemas.microsoft.com/office/drawing/2014/main" id="{012E7FF0-BF8B-4544-BE8B-BA78DD21ECD8}"/>
+              </a:ext>
+            </a:extLst>
+          </p:cNvPr>
+          <p:cNvSpPr/>
+          <p:nvPr/>
+        </p:nvSpPr>
+        <p:spPr>
+          <a:xfrm>
+            <a:off x="6096000" y="4904774"/>
+            <a:ext cx="691356" cy="489097"/>
+          </a:xfrm>
+          <a:prstGeom prst="rightArrow">
+            <a:avLst/>
+          </a:prstGeom>
+        </p:spPr>
+        <p:style>
+          <a:lnRef idx="2">
+            <a:schemeClr val="accent1">
+              <a:shade val="50000"/>
+            </a:schemeClr>
+          </a:lnRef>
+          <a:fillRef idx="1">
+            <a:schemeClr val="accent1"/>
+          </a:fillRef>
+          <a:effectRef idx="0">
+            <a:schemeClr val="accent1"/>
+          </a:effectRef>
+          <a:fontRef idx="minor">
+            <a:schemeClr val="lt1"/>
+          </a:fontRef>
+        </p:style>
+        <p:txBody>
+          <a:bodyPr rtlCol="0" anchor="ctr"/>
+          <a:lstStyle/>
+          <a:p>
+            <a:pPr algn="ctr"/>
+            <a:endParaRPr lang="en-US"/>
+          </a:p>
+        </p:txBody>
+      </p:sp>
+      <p:sp>
+        <p:nvSpPr>
+          <p:cNvPr id="31" name="Arrow: Right 30">
+            <a:extLst>
+              <a:ext uri="{FF2B5EF4-FFF2-40B4-BE49-F238E27FC236}">
+                <a16:creationId xmlns:a16="http://schemas.microsoft.com/office/drawing/2014/main" id="{1D554C90-834E-4CAA-B2D9-B2C45B3F962F}"/>
+              </a:ext>
+            </a:extLst>
+          </p:cNvPr>
+          <p:cNvSpPr/>
+          <p:nvPr/>
+        </p:nvSpPr>
+        <p:spPr>
+          <a:xfrm>
+            <a:off x="9245406" y="4856094"/>
+            <a:ext cx="593407" cy="489097"/>
+          </a:xfrm>
+          <a:prstGeom prst="rightArrow">
+            <a:avLst/>
+          </a:prstGeom>
+        </p:spPr>
+        <p:style>
+          <a:lnRef idx="2">
+            <a:schemeClr val="accent1">
+              <a:shade val="50000"/>
+            </a:schemeClr>
+          </a:lnRef>
+          <a:fillRef idx="1">
+            <a:schemeClr val="accent1"/>
+          </a:fillRef>
+          <a:effectRef idx="0">
+            <a:schemeClr val="accent1"/>
+          </a:effectRef>
+          <a:fontRef idx="minor">
+            <a:schemeClr val="lt1"/>
+          </a:fontRef>
+        </p:style>
+        <p:txBody>
+          <a:bodyPr rtlCol="0" anchor="ctr"/>
+          <a:lstStyle/>
+          <a:p>
+            <a:pPr algn="ctr"/>
+            <a:endParaRPr lang="en-US"/>
+          </a:p>
+        </p:txBody>
+      </p:sp>
+      <p:sp>
+        <p:nvSpPr>
+          <p:cNvPr id="32" name="Arrow: Right 31">
+            <a:extLst>
+              <a:ext uri="{FF2B5EF4-FFF2-40B4-BE49-F238E27FC236}">
+                <a16:creationId xmlns:a16="http://schemas.microsoft.com/office/drawing/2014/main" id="{7F944A94-12CD-4A23-8E08-7F77FF8D9E87}"/>
+              </a:ext>
+            </a:extLst>
+          </p:cNvPr>
+          <p:cNvSpPr/>
+          <p:nvPr/>
+        </p:nvSpPr>
+        <p:spPr>
+          <a:xfrm>
+            <a:off x="1890980" y="4904773"/>
+            <a:ext cx="935665" cy="489097"/>
+          </a:xfrm>
+          <a:prstGeom prst="rightArrow">
+            <a:avLst/>
+          </a:prstGeom>
+        </p:spPr>
+        <p:style>
+          <a:lnRef idx="2">
+            <a:schemeClr val="accent1">
+              <a:shade val="50000"/>
+            </a:schemeClr>
+          </a:lnRef>
+          <a:fillRef idx="1">
+            <a:schemeClr val="accent1"/>
+          </a:fillRef>
+          <a:effectRef idx="0">
+            <a:schemeClr val="accent1"/>
+          </a:effectRef>
+          <a:fontRef idx="minor">
+            <a:schemeClr val="lt1"/>
+          </a:fontRef>
+        </p:style>
+        <p:txBody>
+          <a:bodyPr rtlCol="0" anchor="ctr"/>
+          <a:lstStyle/>
+          <a:p>
+            <a:pPr algn="ctr"/>
+            <a:endParaRPr lang="en-US"/>
+          </a:p>
+        </p:txBody>
+      </p:sp>
+    </p:spTree>
+    <p:extLst>
+      <p:ext uri="{BB962C8B-B14F-4D97-AF65-F5344CB8AC3E}">
+        <p14:creationId xmlns:p14="http://schemas.microsoft.com/office/powerpoint/2010/main" val="854766616"/>
+      </p:ext>
+    </p:extLst>
+  </p:cSld>
+  <p:clrMapOvr>
+    <a:masterClrMapping/>
+  </p:clrMapOvr>
+</p:sld>
+</file>
+
+<file path=ppt/slides/slide3.xml><?xml version="1.0" encoding="utf-8"?>
+<p:sld xmlns:a="http://schemas.openxmlformats.org/drawingml/2006/main" xmlns:r="http://schemas.openxmlformats.org/officeDocument/2006/relationships" xmlns:p="http://schemas.openxmlformats.org/presentationml/2006/main">
+  <p:cSld>
+    <p:spTree>
+      <p:nvGrpSpPr>
+        <p:cNvPr id="1" name=""/>
+        <p:cNvGrpSpPr/>
+        <p:nvPr/>
+      </p:nvGrpSpPr>
+      <p:grpSpPr>
+        <a:xfrm>
+          <a:off x="0" y="0"/>
+          <a:ext cx="0" cy="0"/>
+          <a:chOff x="0" y="0"/>
+          <a:chExt cx="0" cy="0"/>
+        </a:xfrm>
+      </p:grpSpPr>
+      <p:sp>
+        <p:nvSpPr>
+          <p:cNvPr id="2" name="Title 1">
+            <a:extLst>
+              <a:ext uri="{FF2B5EF4-FFF2-40B4-BE49-F238E27FC236}">
+                <a16:creationId xmlns:a16="http://schemas.microsoft.com/office/drawing/2014/main" id="{5E82B009-B5AB-41D8-B547-21D43FCDDC15}"/>
+              </a:ext>
+            </a:extLst>
+          </p:cNvPr>
+          <p:cNvSpPr>
+            <a:spLocks noGrp="1"/>
+          </p:cNvSpPr>
+          <p:nvPr>
+            <p:ph type="title"/>
+          </p:nvPr>
+        </p:nvSpPr>
+        <p:spPr/>
+        <p:txBody>
+          <a:bodyPr/>
+          <a:lstStyle/>
+          <a:p>
+            <a:r>
+              <a:rPr lang="en-US" dirty="0"/>
+              <a:t>Block Diagrams</a:t>
+            </a:r>
+          </a:p>
+        </p:txBody>
+      </p:sp>
+    </p:spTree>
+    <p:extLst>
+      <p:ext uri="{BB962C8B-B14F-4D97-AF65-F5344CB8AC3E}">
+        <p14:creationId xmlns:p14="http://schemas.microsoft.com/office/powerpoint/2010/main" val="2590503535"/>
+      </p:ext>
+    </p:extLst>
+  </p:cSld>
+  <p:clrMapOvr>
+    <a:masterClrMapping/>
+  </p:clrMapOvr>
+</p:sld>
+</file>
+
+<file path=ppt/slides/slide4.xml><?xml version="1.0" encoding="utf-8"?>
+<p:sld xmlns:a="http://schemas.openxmlformats.org/drawingml/2006/main" xmlns:r="http://schemas.openxmlformats.org/officeDocument/2006/relationships" xmlns:p="http://schemas.openxmlformats.org/presentationml/2006/main">
+  <p:cSld>
+    <p:spTree>
+      <p:nvGrpSpPr>
+        <p:cNvPr id="1" name=""/>
+        <p:cNvGrpSpPr/>
+        <p:nvPr/>
+      </p:nvGrpSpPr>
+      <p:grpSpPr>
+        <a:xfrm>
+          <a:off x="0" y="0"/>
+          <a:ext cx="0" cy="0"/>
+          <a:chOff x="0" y="0"/>
+          <a:chExt cx="0" cy="0"/>
+        </a:xfrm>
+      </p:grpSpPr>
+      <p:sp>
+        <p:nvSpPr>
+          <p:cNvPr id="2" name="Title 1">
+            <a:extLst>
+              <a:ext uri="{FF2B5EF4-FFF2-40B4-BE49-F238E27FC236}">
+                <a16:creationId xmlns:a16="http://schemas.microsoft.com/office/drawing/2014/main" id="{4422ABF0-2EE3-494E-98A9-B323BE9161BF}"/>
+              </a:ext>
+            </a:extLst>
+          </p:cNvPr>
+          <p:cNvSpPr>
+            <a:spLocks noGrp="1"/>
+          </p:cNvSpPr>
+          <p:nvPr>
+            <p:ph type="title"/>
+          </p:nvPr>
+        </p:nvSpPr>
+        <p:spPr/>
+        <p:txBody>
+          <a:bodyPr/>
+          <a:lstStyle/>
+          <a:p>
+            <a:r>
+              <a:rPr lang="en-US" dirty="0"/>
+              <a:t>Schematics</a:t>
+            </a:r>
+          </a:p>
+        </p:txBody>
+      </p:sp>
+      <p:sp>
+        <p:nvSpPr>
+          <p:cNvPr id="3" name="Content Placeholder 2">
+            <a:extLst>
+              <a:ext uri="{FF2B5EF4-FFF2-40B4-BE49-F238E27FC236}">
+                <a16:creationId xmlns:a16="http://schemas.microsoft.com/office/drawing/2014/main" id="{E5269AAE-4BB3-4B70-9376-41386D088A2A}"/>
+              </a:ext>
+            </a:extLst>
+          </p:cNvPr>
+          <p:cNvSpPr>
+            <a:spLocks noGrp="1"/>
+          </p:cNvSpPr>
+          <p:nvPr>
+            <p:ph idx="1"/>
+          </p:nvPr>
+        </p:nvSpPr>
+        <p:spPr>
+          <a:xfrm>
+            <a:off x="4114213" y="4753156"/>
+            <a:ext cx="3963573" cy="501968"/>
+          </a:xfrm>
+        </p:spPr>
+        <p:txBody>
+          <a:bodyPr>
+            <a:normAutofit fontScale="92500"/>
+          </a:bodyPr>
+          <a:lstStyle/>
+          <a:p>
+            <a:pPr marL="0" indent="0">
+              <a:buNone/>
+            </a:pPr>
+            <a:r>
+              <a:rPr lang="en-US" dirty="0"/>
+              <a:t>Figure 1. Circuit Subsystems</a:t>
+            </a:r>
+          </a:p>
+        </p:txBody>
+      </p:sp>
+      <p:pic>
+        <p:nvPicPr>
+          <p:cNvPr id="5" name="Picture 4">
+            <a:extLst>
+              <a:ext uri="{FF2B5EF4-FFF2-40B4-BE49-F238E27FC236}">
+                <a16:creationId xmlns:a16="http://schemas.microsoft.com/office/drawing/2014/main" id="{7D3E91DB-84B0-487C-B808-9ECED6441BA0}"/>
+              </a:ext>
+            </a:extLst>
+          </p:cNvPr>
+          <p:cNvPicPr>
+            <a:picLocks noChangeAspect="1"/>
+          </p:cNvPicPr>
+          <p:nvPr/>
+        </p:nvPicPr>
+        <p:blipFill>
+          <a:blip r:embed="rId2"/>
+          <a:stretch>
+            <a:fillRect/>
+          </a:stretch>
+        </p:blipFill>
+        <p:spPr>
+          <a:xfrm>
+            <a:off x="46892" y="1632604"/>
+            <a:ext cx="12098216" cy="3039462"/>
+          </a:xfrm>
+          <a:prstGeom prst="rect">
+            <a:avLst/>
+          </a:prstGeom>
+        </p:spPr>
+      </p:pic>
+    </p:spTree>
+    <p:extLst>
+      <p:ext uri="{BB962C8B-B14F-4D97-AF65-F5344CB8AC3E}">
+        <p14:creationId xmlns:p14="http://schemas.microsoft.com/office/powerpoint/2010/main" val="2431393126"/>
+      </p:ext>
+    </p:extLst>
+  </p:cSld>
+  <p:clrMapOvr>
+    <a:masterClrMapping/>
+  </p:clrMapOvr>
+</p:sld>
+</file>
+
+<file path=ppt/slides/slide5.xml><?xml version="1.0" encoding="utf-8"?>
+<p:sld xmlns:a="http://schemas.openxmlformats.org/drawingml/2006/main" xmlns:r="http://schemas.openxmlformats.org/officeDocument/2006/relationships" xmlns:p="http://schemas.openxmlformats.org/presentationml/2006/main">
+  <p:cSld>
+    <p:spTree>
+      <p:nvGrpSpPr>
+        <p:cNvPr id="1" name=""/>
+        <p:cNvGrpSpPr/>
+        <p:nvPr/>
+      </p:nvGrpSpPr>
+      <p:grpSpPr>
+        <a:xfrm>
+          <a:off x="0" y="0"/>
+          <a:ext cx="0" cy="0"/>
+          <a:chOff x="0" y="0"/>
+          <a:chExt cx="0" cy="0"/>
+        </a:xfrm>
+      </p:grpSpPr>
+      <p:sp>
+        <p:nvSpPr>
+          <p:cNvPr id="2" name="Title 1">
+            <a:extLst>
+              <a:ext uri="{FF2B5EF4-FFF2-40B4-BE49-F238E27FC236}">
+                <a16:creationId xmlns:a16="http://schemas.microsoft.com/office/drawing/2014/main" id="{4422ABF0-2EE3-494E-98A9-B323BE9161BF}"/>
+              </a:ext>
+            </a:extLst>
+          </p:cNvPr>
+          <p:cNvSpPr>
+            <a:spLocks noGrp="1"/>
+          </p:cNvSpPr>
+          <p:nvPr>
+            <p:ph type="title"/>
+          </p:nvPr>
+        </p:nvSpPr>
+        <p:spPr/>
+        <p:txBody>
+          <a:bodyPr/>
+          <a:lstStyle/>
+          <a:p>
+            <a:r>
+              <a:rPr lang="en-US" dirty="0"/>
+              <a:t>Schematics</a:t>
+            </a:r>
+          </a:p>
+        </p:txBody>
+      </p:sp>
+      <p:sp>
+        <p:nvSpPr>
+          <p:cNvPr id="3" name="Content Placeholder 2">
+            <a:extLst>
+              <a:ext uri="{FF2B5EF4-FFF2-40B4-BE49-F238E27FC236}">
+                <a16:creationId xmlns:a16="http://schemas.microsoft.com/office/drawing/2014/main" id="{E5269AAE-4BB3-4B70-9376-41386D088A2A}"/>
+              </a:ext>
+            </a:extLst>
+          </p:cNvPr>
+          <p:cNvSpPr>
+            <a:spLocks noGrp="1"/>
+          </p:cNvSpPr>
+          <p:nvPr>
+            <p:ph idx="1"/>
+          </p:nvPr>
+        </p:nvSpPr>
+        <p:spPr>
+          <a:xfrm>
+            <a:off x="3815020" y="6169170"/>
+            <a:ext cx="4561956" cy="501968"/>
+          </a:xfrm>
+        </p:spPr>
+        <p:txBody>
+          <a:bodyPr>
+            <a:normAutofit fontScale="92500"/>
+          </a:bodyPr>
+          <a:lstStyle/>
+          <a:p>
+            <a:pPr marL="0" indent="0">
+              <a:buNone/>
+            </a:pPr>
+            <a:r>
+              <a:rPr lang="en-US" dirty="0"/>
+              <a:t>Figure 2. Connectors Subsystem</a:t>
+            </a:r>
+          </a:p>
+        </p:txBody>
+      </p:sp>
+      <p:pic>
+        <p:nvPicPr>
+          <p:cNvPr id="6" name="Picture 5">
+            <a:extLst>
+              <a:ext uri="{FF2B5EF4-FFF2-40B4-BE49-F238E27FC236}">
+                <a16:creationId xmlns:a16="http://schemas.microsoft.com/office/drawing/2014/main" id="{3BA519BC-6C9D-4E58-843E-E935A4F96ED0}"/>
+              </a:ext>
+            </a:extLst>
+          </p:cNvPr>
+          <p:cNvPicPr>
+            <a:picLocks noChangeAspect="1"/>
+          </p:cNvPicPr>
+          <p:nvPr/>
+        </p:nvPicPr>
+        <p:blipFill>
+          <a:blip r:embed="rId2"/>
+          <a:stretch>
+            <a:fillRect/>
+          </a:stretch>
+        </p:blipFill>
+        <p:spPr>
+          <a:xfrm>
+            <a:off x="778411" y="1270811"/>
+            <a:ext cx="10635175" cy="4898359"/>
+          </a:xfrm>
+          <a:prstGeom prst="rect">
+            <a:avLst/>
+          </a:prstGeom>
+        </p:spPr>
+      </p:pic>
+    </p:spTree>
+    <p:extLst>
+      <p:ext uri="{BB962C8B-B14F-4D97-AF65-F5344CB8AC3E}">
+        <p14:creationId xmlns:p14="http://schemas.microsoft.com/office/powerpoint/2010/main" val="50983768"/>
+      </p:ext>
+    </p:extLst>
+  </p:cSld>
+  <p:clrMapOvr>
+    <a:masterClrMapping/>
+  </p:clrMapOvr>
+</p:sld>
+</file>
+
+<file path=ppt/slides/slide6.xml><?xml version="1.0" encoding="utf-8"?>
+<p:sld xmlns:a="http://schemas.openxmlformats.org/drawingml/2006/main" xmlns:r="http://schemas.openxmlformats.org/officeDocument/2006/relationships" xmlns:p="http://schemas.openxmlformats.org/presentationml/2006/main">
+  <p:cSld>
+    <p:spTree>
+      <p:nvGrpSpPr>
+        <p:cNvPr id="1" name=""/>
+        <p:cNvGrpSpPr/>
+        <p:nvPr/>
+      </p:nvGrpSpPr>
+      <p:grpSpPr>
+        <a:xfrm>
+          <a:off x="0" y="0"/>
+          <a:ext cx="0" cy="0"/>
+          <a:chOff x="0" y="0"/>
+          <a:chExt cx="0" cy="0"/>
+        </a:xfrm>
+      </p:grpSpPr>
+      <p:sp>
+        <p:nvSpPr>
+          <p:cNvPr id="2" name="Title 1">
+            <a:extLst>
+              <a:ext uri="{FF2B5EF4-FFF2-40B4-BE49-F238E27FC236}">
+                <a16:creationId xmlns:a16="http://schemas.microsoft.com/office/drawing/2014/main" id="{4422ABF0-2EE3-494E-98A9-B323BE9161BF}"/>
+              </a:ext>
+            </a:extLst>
+          </p:cNvPr>
+          <p:cNvSpPr>
+            <a:spLocks noGrp="1"/>
+          </p:cNvSpPr>
+          <p:nvPr>
+            <p:ph type="title"/>
+          </p:nvPr>
+        </p:nvSpPr>
+        <p:spPr/>
+        <p:txBody>
+          <a:bodyPr/>
+          <a:lstStyle/>
+          <a:p>
+            <a:r>
+              <a:rPr lang="en-US" dirty="0"/>
+              <a:t>Schematics</a:t>
+            </a:r>
+          </a:p>
+        </p:txBody>
+      </p:sp>
+      <p:sp>
+        <p:nvSpPr>
+          <p:cNvPr id="3" name="Content Placeholder 2">
+            <a:extLst>
+              <a:ext uri="{FF2B5EF4-FFF2-40B4-BE49-F238E27FC236}">
+                <a16:creationId xmlns:a16="http://schemas.microsoft.com/office/drawing/2014/main" id="{E5269AAE-4BB3-4B70-9376-41386D088A2A}"/>
+              </a:ext>
+            </a:extLst>
+          </p:cNvPr>
+          <p:cNvSpPr>
+            <a:spLocks noGrp="1"/>
+          </p:cNvSpPr>
+          <p:nvPr>
+            <p:ph idx="1"/>
+          </p:nvPr>
+        </p:nvSpPr>
+        <p:spPr>
+          <a:xfrm>
+            <a:off x="3719325" y="6140882"/>
+            <a:ext cx="4753342" cy="501968"/>
+          </a:xfrm>
+        </p:spPr>
+        <p:txBody>
+          <a:bodyPr>
+            <a:normAutofit fontScale="92500"/>
+          </a:bodyPr>
+          <a:lstStyle/>
+          <a:p>
+            <a:pPr marL="0" indent="0">
+              <a:buNone/>
+            </a:pPr>
+            <a:r>
+              <a:rPr lang="en-US" dirty="0"/>
+              <a:t>Figure 3. Power Supply Subsystem</a:t>
+            </a:r>
+          </a:p>
+        </p:txBody>
+      </p:sp>
+      <p:pic>
+        <p:nvPicPr>
+          <p:cNvPr id="5" name="Picture 4">
+            <a:extLst>
+              <a:ext uri="{FF2B5EF4-FFF2-40B4-BE49-F238E27FC236}">
+                <a16:creationId xmlns:a16="http://schemas.microsoft.com/office/drawing/2014/main" id="{A8B5136D-4B66-41E5-9233-51D7A38B7A3F}"/>
+              </a:ext>
+            </a:extLst>
+          </p:cNvPr>
+          <p:cNvPicPr>
+            <a:picLocks noChangeAspect="1"/>
+          </p:cNvPicPr>
+          <p:nvPr/>
+        </p:nvPicPr>
+        <p:blipFill>
+          <a:blip r:embed="rId2"/>
+          <a:stretch>
+            <a:fillRect/>
+          </a:stretch>
+        </p:blipFill>
+        <p:spPr>
+          <a:xfrm>
+            <a:off x="659215" y="1489417"/>
+            <a:ext cx="10873563" cy="4595915"/>
+          </a:xfrm>
+          <a:prstGeom prst="rect">
+            <a:avLst/>
+          </a:prstGeom>
+        </p:spPr>
+      </p:pic>
+    </p:spTree>
+    <p:extLst>
+      <p:ext uri="{BB962C8B-B14F-4D97-AF65-F5344CB8AC3E}">
+        <p14:creationId xmlns:p14="http://schemas.microsoft.com/office/powerpoint/2010/main" val="3994954635"/>
+      </p:ext>
+    </p:extLst>
+  </p:cSld>
+  <p:clrMapOvr>
+    <a:masterClrMapping/>
+  </p:clrMapOvr>
+</p:sld>
+</file>
+
+<file path=ppt/slides/slide7.xml><?xml version="1.0" encoding="utf-8"?>
+<p:sld xmlns:a="http://schemas.openxmlformats.org/drawingml/2006/main" xmlns:r="http://schemas.openxmlformats.org/officeDocument/2006/relationships" xmlns:p="http://schemas.openxmlformats.org/presentationml/2006/main">
+  <p:cSld>
+    <p:spTree>
+      <p:nvGrpSpPr>
+        <p:cNvPr id="1" name=""/>
+        <p:cNvGrpSpPr/>
+        <p:nvPr/>
+      </p:nvGrpSpPr>
+      <p:grpSpPr>
+        <a:xfrm>
+          <a:off x="0" y="0"/>
+          <a:ext cx="0" cy="0"/>
+          <a:chOff x="0" y="0"/>
+          <a:chExt cx="0" cy="0"/>
+        </a:xfrm>
+      </p:grpSpPr>
+      <p:sp>
+        <p:nvSpPr>
+          <p:cNvPr id="2" name="Title 1">
+            <a:extLst>
+              <a:ext uri="{FF2B5EF4-FFF2-40B4-BE49-F238E27FC236}">
+                <a16:creationId xmlns:a16="http://schemas.microsoft.com/office/drawing/2014/main" id="{4422ABF0-2EE3-494E-98A9-B323BE9161BF}"/>
+              </a:ext>
+            </a:extLst>
+          </p:cNvPr>
+          <p:cNvSpPr>
+            <a:spLocks noGrp="1"/>
+          </p:cNvSpPr>
+          <p:nvPr>
+            <p:ph type="title"/>
+          </p:nvPr>
+        </p:nvSpPr>
+        <p:spPr/>
+        <p:txBody>
+          <a:bodyPr/>
+          <a:lstStyle/>
+          <a:p>
+            <a:r>
+              <a:rPr lang="en-US" dirty="0"/>
+              <a:t>Schematics</a:t>
+            </a:r>
+          </a:p>
+        </p:txBody>
+      </p:sp>
+      <p:sp>
+        <p:nvSpPr>
+          <p:cNvPr id="3" name="Content Placeholder 2">
+            <a:extLst>
+              <a:ext uri="{FF2B5EF4-FFF2-40B4-BE49-F238E27FC236}">
+                <a16:creationId xmlns:a16="http://schemas.microsoft.com/office/drawing/2014/main" id="{E5269AAE-4BB3-4B70-9376-41386D088A2A}"/>
+              </a:ext>
+            </a:extLst>
+          </p:cNvPr>
+          <p:cNvSpPr>
+            <a:spLocks noGrp="1"/>
+          </p:cNvSpPr>
+          <p:nvPr>
+            <p:ph idx="1"/>
+          </p:nvPr>
+        </p:nvSpPr>
+        <p:spPr>
+          <a:xfrm>
+            <a:off x="4114210" y="6035675"/>
+            <a:ext cx="3963573" cy="501968"/>
+          </a:xfrm>
+        </p:spPr>
+        <p:txBody>
+          <a:bodyPr>
+            <a:normAutofit fontScale="92500"/>
+          </a:bodyPr>
+          <a:lstStyle/>
+          <a:p>
+            <a:pPr marL="0" indent="0">
+              <a:buNone/>
+            </a:pPr>
+            <a:r>
+              <a:rPr lang="en-US" dirty="0"/>
+              <a:t>Figure 4. Driver Subsystem</a:t>
+            </a:r>
+          </a:p>
+        </p:txBody>
+      </p:sp>
+      <p:pic>
+        <p:nvPicPr>
+          <p:cNvPr id="5" name="Picture 4">
+            <a:extLst>
+              <a:ext uri="{FF2B5EF4-FFF2-40B4-BE49-F238E27FC236}">
+                <a16:creationId xmlns:a16="http://schemas.microsoft.com/office/drawing/2014/main" id="{1FCD9AC7-235A-407C-9FF6-73D7DB26ED9C}"/>
+              </a:ext>
+            </a:extLst>
+          </p:cNvPr>
+          <p:cNvPicPr>
+            <a:picLocks noChangeAspect="1"/>
+          </p:cNvPicPr>
+          <p:nvPr/>
+        </p:nvPicPr>
+        <p:blipFill>
+          <a:blip r:embed="rId2"/>
+          <a:stretch>
+            <a:fillRect/>
+          </a:stretch>
+        </p:blipFill>
+        <p:spPr>
+          <a:xfrm>
+            <a:off x="494411" y="1487856"/>
+            <a:ext cx="11203172" cy="4339755"/>
+          </a:xfrm>
+          <a:prstGeom prst="rect">
+            <a:avLst/>
+          </a:prstGeom>
+        </p:spPr>
+      </p:pic>
+    </p:spTree>
+    <p:extLst>
+      <p:ext uri="{BB962C8B-B14F-4D97-AF65-F5344CB8AC3E}">
+        <p14:creationId xmlns:p14="http://schemas.microsoft.com/office/powerpoint/2010/main" val="4085901316"/>
+      </p:ext>
+    </p:extLst>
+  </p:cSld>
+  <p:clrMapOvr>
+    <a:masterClrMapping/>
+  </p:clrMapOvr>
+</p:sld>
+</file>
+
+<file path=ppt/slides/slide8.xml><?xml version="1.0" encoding="utf-8"?>
+<p:sld xmlns:a="http://schemas.openxmlformats.org/drawingml/2006/main" xmlns:r="http://schemas.openxmlformats.org/officeDocument/2006/relationships" xmlns:p="http://schemas.openxmlformats.org/presentationml/2006/main">
+  <p:cSld>
+    <p:spTree>
+      <p:nvGrpSpPr>
+        <p:cNvPr id="1" name=""/>
+        <p:cNvGrpSpPr/>
+        <p:nvPr/>
+      </p:nvGrpSpPr>
+      <p:grpSpPr>
+        <a:xfrm>
+          <a:off x="0" y="0"/>
+          <a:ext cx="0" cy="0"/>
+          <a:chOff x="0" y="0"/>
+          <a:chExt cx="0" cy="0"/>
+        </a:xfrm>
+      </p:grpSpPr>
+      <p:sp>
+        <p:nvSpPr>
+          <p:cNvPr id="2" name="Title 1">
+            <a:extLst>
+              <a:ext uri="{FF2B5EF4-FFF2-40B4-BE49-F238E27FC236}">
+                <a16:creationId xmlns:a16="http://schemas.microsoft.com/office/drawing/2014/main" id="{B0A44E24-0579-40C6-AF96-381E02D589CC}"/>
+              </a:ext>
+            </a:extLst>
+          </p:cNvPr>
+          <p:cNvSpPr>
+            <a:spLocks noGrp="1"/>
+          </p:cNvSpPr>
+          <p:nvPr>
+            <p:ph type="title"/>
+          </p:nvPr>
+        </p:nvSpPr>
+        <p:spPr/>
+        <p:txBody>
+          <a:bodyPr/>
+          <a:lstStyle/>
+          <a:p>
+            <a:r>
+              <a:rPr lang="en-US" dirty="0"/>
+              <a:t>Subsystem Demo</a:t>
+            </a:r>
+          </a:p>
+        </p:txBody>
+      </p:sp>
+      <p:sp>
+        <p:nvSpPr>
+          <p:cNvPr id="3" name="Content Placeholder 2">
+            <a:extLst>
+              <a:ext uri="{FF2B5EF4-FFF2-40B4-BE49-F238E27FC236}">
+                <a16:creationId xmlns:a16="http://schemas.microsoft.com/office/drawing/2014/main" id="{AB9AA184-AD7F-4EED-AC68-4077176D0140}"/>
+              </a:ext>
+            </a:extLst>
+          </p:cNvPr>
+          <p:cNvSpPr>
+            <a:spLocks noGrp="1"/>
+          </p:cNvSpPr>
+          <p:nvPr>
+            <p:ph idx="1"/>
+          </p:nvPr>
+        </p:nvSpPr>
+        <p:spPr/>
+        <p:txBody>
+          <a:bodyPr/>
+          <a:lstStyle/>
+          <a:p>
+            <a:r>
+              <a:rPr lang="en-US" dirty="0"/>
+              <a:t>Explain in detail what subsystem you are going to demo first</a:t>
+            </a:r>
+          </a:p>
+        </p:txBody>
+      </p:sp>
+    </p:spTree>
+    <p:extLst>
+      <p:ext uri="{BB962C8B-B14F-4D97-AF65-F5344CB8AC3E}">
+        <p14:creationId xmlns:p14="http://schemas.microsoft.com/office/powerpoint/2010/main" val="21068925"/>
+      </p:ext>
+    </p:extLst>
+  </p:cSld>
+  <p:clrMapOvr>
+    <a:masterClrMapping/>
+  </p:clrMapOvr>
+</p:sld>
+</file>
+
+<file path=ppt/slides/slide9.xml><?xml version="1.0" encoding="utf-8"?>
+<p:sld xmlns:a="http://schemas.openxmlformats.org/drawingml/2006/main" xmlns:r="http://schemas.openxmlformats.org/officeDocument/2006/relationships" xmlns:p="http://schemas.openxmlformats.org/presentationml/2006/main">
+  <p:cSld>
+    <p:spTree>
+      <p:nvGrpSpPr>
+        <p:cNvPr id="1" name=""/>
+        <p:cNvGrpSpPr/>
+        <p:nvPr/>
+      </p:nvGrpSpPr>
+      <p:grpSpPr>
+        <a:xfrm>
+          <a:off x="0" y="0"/>
+          <a:ext cx="0" cy="0"/>
+          <a:chOff x="0" y="0"/>
+          <a:chExt cx="0" cy="0"/>
+        </a:xfrm>
+      </p:grpSpPr>
+      <p:sp>
+        <p:nvSpPr>
+          <p:cNvPr id="2" name="Title 1">
+            <a:extLst>
+              <a:ext uri="{FF2B5EF4-FFF2-40B4-BE49-F238E27FC236}">
+                <a16:creationId xmlns:a16="http://schemas.microsoft.com/office/drawing/2014/main" id="{C03C2D7E-8121-4FBC-AE0F-32B77A303F61}"/>
+              </a:ext>
+            </a:extLst>
+          </p:cNvPr>
+          <p:cNvSpPr>
+            <a:spLocks noGrp="1"/>
+          </p:cNvSpPr>
+          <p:nvPr>
+            <p:ph type="title"/>
+          </p:nvPr>
+        </p:nvSpPr>
+        <p:spPr/>
+        <p:txBody>
+          <a:bodyPr/>
+          <a:lstStyle/>
+          <a:p>
+            <a:r>
+              <a:rPr lang="en-US" dirty="0"/>
+              <a:t>Testing So Far</a:t>
+            </a:r>
+          </a:p>
+        </p:txBody>
+      </p:sp>
+      <p:sp>
+        <p:nvSpPr>
+          <p:cNvPr id="3" name="Content Placeholder 2">
+            <a:extLst>
+              <a:ext uri="{FF2B5EF4-FFF2-40B4-BE49-F238E27FC236}">
+                <a16:creationId xmlns:a16="http://schemas.microsoft.com/office/drawing/2014/main" id="{C8C14768-9A73-463B-8DC6-F93B1E353A72}"/>
+              </a:ext>
+            </a:extLst>
+          </p:cNvPr>
+          <p:cNvSpPr>
+            <a:spLocks noGrp="1"/>
+          </p:cNvSpPr>
+          <p:nvPr>
+            <p:ph idx="1"/>
+          </p:nvPr>
+        </p:nvSpPr>
+        <p:spPr/>
+        <p:txBody>
+          <a:bodyPr/>
+          <a:lstStyle/>
+          <a:p>
+            <a:r>
+              <a:rPr lang="en-US" dirty="0"/>
+              <a:t>Results of any preliminary testing performed</a:t>
+            </a:r>
+          </a:p>
+          <a:p>
+            <a:r>
+              <a:rPr lang="en-US" dirty="0"/>
+              <a:t>Has testing caused modifications to design approach?</a:t>
+            </a:r>
+          </a:p>
+        </p:txBody>
+      </p:sp>
+    </p:spTree>
+    <p:extLst>
+      <p:ext uri="{BB962C8B-B14F-4D97-AF65-F5344CB8AC3E}">
+        <p14:creationId xmlns:p14="http://schemas.microsoft.com/office/powerpoint/2010/main" val="2539706250"/>
+      </p:ext>
+    </p:extLst>
+  </p:cSld>
+  <p:clrMapOvr>
+    <a:masterClrMapping/>
+  </p:clrMapOvr>
+</p:sld>
+</file>
+
 <file path=ppt/theme/theme1.xml><?xml version="1.0" encoding="utf-8"?>
 <a:theme xmlns:a="http://schemas.openxmlformats.org/drawingml/2006/main" name="Office Theme">
   <a:themeElements>

--- a/Bouncer Locking System Midterm Presentation.pptx
+++ b/Bouncer Locking System Midterm Presentation.pptx
@@ -273,7 +273,7 @@
           <a:p>
             <a:fld id="{004C0066-4075-4CF0-BB25-577C2798C6F5}" type="datetimeFigureOut">
               <a:rPr lang="en-US" smtClean="0"/>
-              <a:t>10/8/2021</a:t>
+              <a:t>10/10/2021</a:t>
             </a:fld>
             <a:endParaRPr lang="en-US"/>
           </a:p>
@@ -471,7 +471,7 @@
           <a:p>
             <a:fld id="{004C0066-4075-4CF0-BB25-577C2798C6F5}" type="datetimeFigureOut">
               <a:rPr lang="en-US" smtClean="0"/>
-              <a:t>10/8/2021</a:t>
+              <a:t>10/10/2021</a:t>
             </a:fld>
             <a:endParaRPr lang="en-US"/>
           </a:p>
@@ -679,7 +679,7 @@
           <a:p>
             <a:fld id="{004C0066-4075-4CF0-BB25-577C2798C6F5}" type="datetimeFigureOut">
               <a:rPr lang="en-US" smtClean="0"/>
-              <a:t>10/8/2021</a:t>
+              <a:t>10/10/2021</a:t>
             </a:fld>
             <a:endParaRPr lang="en-US"/>
           </a:p>
@@ -877,7 +877,7 @@
           <a:p>
             <a:fld id="{004C0066-4075-4CF0-BB25-577C2798C6F5}" type="datetimeFigureOut">
               <a:rPr lang="en-US" smtClean="0"/>
-              <a:t>10/8/2021</a:t>
+              <a:t>10/10/2021</a:t>
             </a:fld>
             <a:endParaRPr lang="en-US"/>
           </a:p>
@@ -1152,7 +1152,7 @@
           <a:p>
             <a:fld id="{004C0066-4075-4CF0-BB25-577C2798C6F5}" type="datetimeFigureOut">
               <a:rPr lang="en-US" smtClean="0"/>
-              <a:t>10/8/2021</a:t>
+              <a:t>10/10/2021</a:t>
             </a:fld>
             <a:endParaRPr lang="en-US"/>
           </a:p>
@@ -1417,7 +1417,7 @@
           <a:p>
             <a:fld id="{004C0066-4075-4CF0-BB25-577C2798C6F5}" type="datetimeFigureOut">
               <a:rPr lang="en-US" smtClean="0"/>
-              <a:t>10/8/2021</a:t>
+              <a:t>10/10/2021</a:t>
             </a:fld>
             <a:endParaRPr lang="en-US"/>
           </a:p>
@@ -1829,7 +1829,7 @@
           <a:p>
             <a:fld id="{004C0066-4075-4CF0-BB25-577C2798C6F5}" type="datetimeFigureOut">
               <a:rPr lang="en-US" smtClean="0"/>
-              <a:t>10/8/2021</a:t>
+              <a:t>10/10/2021</a:t>
             </a:fld>
             <a:endParaRPr lang="en-US"/>
           </a:p>
@@ -1970,7 +1970,7 @@
           <a:p>
             <a:fld id="{004C0066-4075-4CF0-BB25-577C2798C6F5}" type="datetimeFigureOut">
               <a:rPr lang="en-US" smtClean="0"/>
-              <a:t>10/8/2021</a:t>
+              <a:t>10/10/2021</a:t>
             </a:fld>
             <a:endParaRPr lang="en-US"/>
           </a:p>
@@ -2083,7 +2083,7 @@
           <a:p>
             <a:fld id="{004C0066-4075-4CF0-BB25-577C2798C6F5}" type="datetimeFigureOut">
               <a:rPr lang="en-US" smtClean="0"/>
-              <a:t>10/8/2021</a:t>
+              <a:t>10/10/2021</a:t>
             </a:fld>
             <a:endParaRPr lang="en-US"/>
           </a:p>
@@ -2394,7 +2394,7 @@
           <a:p>
             <a:fld id="{004C0066-4075-4CF0-BB25-577C2798C6F5}" type="datetimeFigureOut">
               <a:rPr lang="en-US" smtClean="0"/>
-              <a:t>10/8/2021</a:t>
+              <a:t>10/10/2021</a:t>
             </a:fld>
             <a:endParaRPr lang="en-US"/>
           </a:p>
@@ -2682,7 +2682,7 @@
           <a:p>
             <a:fld id="{004C0066-4075-4CF0-BB25-577C2798C6F5}" type="datetimeFigureOut">
               <a:rPr lang="en-US" smtClean="0"/>
-              <a:t>10/8/2021</a:t>
+              <a:t>10/10/2021</a:t>
             </a:fld>
             <a:endParaRPr lang="en-US"/>
           </a:p>
@@ -2923,7 +2923,7 @@
           <a:p>
             <a:fld id="{004C0066-4075-4CF0-BB25-577C2798C6F5}" type="datetimeFigureOut">
               <a:rPr lang="en-US" smtClean="0"/>
-              <a:t>10/8/2021</a:t>
+              <a:t>10/10/2021</a:t>
             </a:fld>
             <a:endParaRPr lang="en-US"/>
           </a:p>
@@ -5602,6 +5602,30 @@
               <a:t>Explain in detail what subsystem you are going to demo first</a:t>
             </a:r>
           </a:p>
+          <a:p>
+            <a:r>
+              <a:rPr lang="en-US" dirty="0"/>
+              <a:t>Ideas:</a:t>
+            </a:r>
+          </a:p>
+          <a:p>
+            <a:pPr lvl="1"/>
+            <a:r>
+              <a:rPr lang="en-US" dirty="0"/>
+              <a:t>Demo camera recording and pushing videos to cloud</a:t>
+            </a:r>
+          </a:p>
+          <a:p>
+            <a:pPr lvl="1"/>
+            <a:r>
+              <a:rPr lang="en-US" dirty="0"/>
+              <a:t>Demo web application pulling videos from cloud</a:t>
+            </a:r>
+          </a:p>
+          <a:p>
+            <a:pPr lvl="1"/>
+            <a:endParaRPr lang="en-US" dirty="0"/>
+          </a:p>
         </p:txBody>
       </p:sp>
     </p:spTree>
@@ -5693,6 +5717,29 @@
               <a:rPr lang="en-US" dirty="0"/>
               <a:t>Has testing caused modifications to design approach?</a:t>
             </a:r>
+          </a:p>
+          <a:p>
+            <a:r>
+              <a:rPr lang="en-US" dirty="0"/>
+              <a:t>Ideas:</a:t>
+            </a:r>
+          </a:p>
+          <a:p>
+            <a:pPr lvl="1"/>
+            <a:r>
+              <a:rPr lang="en-US" dirty="0"/>
+              <a:t>Testing current draw of lock impacted component choices</a:t>
+            </a:r>
+          </a:p>
+          <a:p>
+            <a:pPr lvl="1"/>
+            <a:r>
+              <a:rPr lang="en-US" dirty="0"/>
+              <a:t>Maybe talk about switch from MSP to pi</a:t>
+            </a:r>
+          </a:p>
+          <a:p>
+            <a:endParaRPr lang="en-US" dirty="0"/>
           </a:p>
         </p:txBody>
       </p:sp>

--- a/Bouncer Locking System Midterm Presentation.pptx
+++ b/Bouncer Locking System Midterm Presentation.pptx
@@ -273,7 +273,7 @@
           <a:p>
             <a:fld id="{004C0066-4075-4CF0-BB25-577C2798C6F5}" type="datetimeFigureOut">
               <a:rPr lang="en-US" smtClean="0"/>
-              <a:t>10/10/2021</a:t>
+              <a:t>10/12/2021</a:t>
             </a:fld>
             <a:endParaRPr lang="en-US"/>
           </a:p>
@@ -471,7 +471,7 @@
           <a:p>
             <a:fld id="{004C0066-4075-4CF0-BB25-577C2798C6F5}" type="datetimeFigureOut">
               <a:rPr lang="en-US" smtClean="0"/>
-              <a:t>10/10/2021</a:t>
+              <a:t>10/12/2021</a:t>
             </a:fld>
             <a:endParaRPr lang="en-US"/>
           </a:p>
@@ -679,7 +679,7 @@
           <a:p>
             <a:fld id="{004C0066-4075-4CF0-BB25-577C2798C6F5}" type="datetimeFigureOut">
               <a:rPr lang="en-US" smtClean="0"/>
-              <a:t>10/10/2021</a:t>
+              <a:t>10/12/2021</a:t>
             </a:fld>
             <a:endParaRPr lang="en-US"/>
           </a:p>
@@ -877,7 +877,7 @@
           <a:p>
             <a:fld id="{004C0066-4075-4CF0-BB25-577C2798C6F5}" type="datetimeFigureOut">
               <a:rPr lang="en-US" smtClean="0"/>
-              <a:t>10/10/2021</a:t>
+              <a:t>10/12/2021</a:t>
             </a:fld>
             <a:endParaRPr lang="en-US"/>
           </a:p>
@@ -1152,7 +1152,7 @@
           <a:p>
             <a:fld id="{004C0066-4075-4CF0-BB25-577C2798C6F5}" type="datetimeFigureOut">
               <a:rPr lang="en-US" smtClean="0"/>
-              <a:t>10/10/2021</a:t>
+              <a:t>10/12/2021</a:t>
             </a:fld>
             <a:endParaRPr lang="en-US"/>
           </a:p>
@@ -1417,7 +1417,7 @@
           <a:p>
             <a:fld id="{004C0066-4075-4CF0-BB25-577C2798C6F5}" type="datetimeFigureOut">
               <a:rPr lang="en-US" smtClean="0"/>
-              <a:t>10/10/2021</a:t>
+              <a:t>10/12/2021</a:t>
             </a:fld>
             <a:endParaRPr lang="en-US"/>
           </a:p>
@@ -1829,7 +1829,7 @@
           <a:p>
             <a:fld id="{004C0066-4075-4CF0-BB25-577C2798C6F5}" type="datetimeFigureOut">
               <a:rPr lang="en-US" smtClean="0"/>
-              <a:t>10/10/2021</a:t>
+              <a:t>10/12/2021</a:t>
             </a:fld>
             <a:endParaRPr lang="en-US"/>
           </a:p>
@@ -1970,7 +1970,7 @@
           <a:p>
             <a:fld id="{004C0066-4075-4CF0-BB25-577C2798C6F5}" type="datetimeFigureOut">
               <a:rPr lang="en-US" smtClean="0"/>
-              <a:t>10/10/2021</a:t>
+              <a:t>10/12/2021</a:t>
             </a:fld>
             <a:endParaRPr lang="en-US"/>
           </a:p>
@@ -2083,7 +2083,7 @@
           <a:p>
             <a:fld id="{004C0066-4075-4CF0-BB25-577C2798C6F5}" type="datetimeFigureOut">
               <a:rPr lang="en-US" smtClean="0"/>
-              <a:t>10/10/2021</a:t>
+              <a:t>10/12/2021</a:t>
             </a:fld>
             <a:endParaRPr lang="en-US"/>
           </a:p>
@@ -2394,7 +2394,7 @@
           <a:p>
             <a:fld id="{004C0066-4075-4CF0-BB25-577C2798C6F5}" type="datetimeFigureOut">
               <a:rPr lang="en-US" smtClean="0"/>
-              <a:t>10/10/2021</a:t>
+              <a:t>10/12/2021</a:t>
             </a:fld>
             <a:endParaRPr lang="en-US"/>
           </a:p>
@@ -2682,7 +2682,7 @@
           <a:p>
             <a:fld id="{004C0066-4075-4CF0-BB25-577C2798C6F5}" type="datetimeFigureOut">
               <a:rPr lang="en-US" smtClean="0"/>
-              <a:t>10/10/2021</a:t>
+              <a:t>10/12/2021</a:t>
             </a:fld>
             <a:endParaRPr lang="en-US"/>
           </a:p>
@@ -2923,7 +2923,7 @@
           <a:p>
             <a:fld id="{004C0066-4075-4CF0-BB25-577C2798C6F5}" type="datetimeFigureOut">
               <a:rPr lang="en-US" smtClean="0"/>
-              <a:t>10/10/2021</a:t>
+              <a:t>10/12/2021</a:t>
             </a:fld>
             <a:endParaRPr lang="en-US"/>
           </a:p>
@@ -3587,10 +3587,7 @@
           <a:bodyPr/>
           <a:lstStyle/>
           <a:p>
-            <a:r>
-              <a:rPr lang="en-US" dirty="0"/>
-              <a:t>Flow chart of proposed algorithms</a:t>
-            </a:r>
+            <a:endParaRPr lang="en-US" dirty="0"/>
           </a:p>
           <a:p>
             <a:r>
@@ -3607,6 +3604,36 @@
           </a:p>
         </p:txBody>
       </p:sp>
+      <p:pic>
+        <p:nvPicPr>
+          <p:cNvPr id="5" name="Picture 4">
+            <a:extLst>
+              <a:ext uri="{FF2B5EF4-FFF2-40B4-BE49-F238E27FC236}">
+                <a16:creationId xmlns:a16="http://schemas.microsoft.com/office/drawing/2014/main" id="{38ABBE7A-B012-4647-AE5B-1180B9EB1C20}"/>
+              </a:ext>
+            </a:extLst>
+          </p:cNvPr>
+          <p:cNvPicPr>
+            <a:picLocks noChangeAspect="1"/>
+          </p:cNvPicPr>
+          <p:nvPr/>
+        </p:nvPicPr>
+        <p:blipFill>
+          <a:blip r:embed="rId2"/>
+          <a:stretch>
+            <a:fillRect/>
+          </a:stretch>
+        </p:blipFill>
+        <p:spPr>
+          <a:xfrm>
+            <a:off x="7475003" y="3931920"/>
+            <a:ext cx="4060282" cy="2648712"/>
+          </a:xfrm>
+          <a:prstGeom prst="rect">
+            <a:avLst/>
+          </a:prstGeom>
+        </p:spPr>
+      </p:pic>
     </p:spTree>
     <p:extLst>
       <p:ext uri="{BB962C8B-B14F-4D97-AF65-F5344CB8AC3E}">
@@ -3868,7 +3895,68 @@
           <a:p>
             <a:r>
               <a:rPr lang="en-US" dirty="0"/>
-              <a:t>Explain current status of project</a:t>
+              <a:t>Hardware</a:t>
+            </a:r>
+          </a:p>
+          <a:p>
+            <a:pPr lvl="1"/>
+            <a:r>
+              <a:rPr lang="en-US" dirty="0"/>
+              <a:t>Finished preliminary design of hardware schematics</a:t>
+            </a:r>
+          </a:p>
+          <a:p>
+            <a:pPr lvl="1"/>
+            <a:r>
+              <a:rPr lang="en-US" dirty="0"/>
+              <a:t>In the process of finishing circuit board layout</a:t>
+            </a:r>
+          </a:p>
+          <a:p>
+            <a:r>
+              <a:rPr lang="en-US" dirty="0"/>
+              <a:t>Firmware</a:t>
+            </a:r>
+          </a:p>
+          <a:p>
+            <a:pPr lvl="1"/>
+            <a:r>
+              <a:rPr lang="en-US" dirty="0"/>
+              <a:t>Successfully integrated camera with Raspberry Pi</a:t>
+            </a:r>
+          </a:p>
+          <a:p>
+            <a:pPr lvl="1"/>
+            <a:r>
+              <a:rPr lang="en-US" dirty="0"/>
+              <a:t>In the process of uploading video footage to AWS</a:t>
+            </a:r>
+          </a:p>
+          <a:p>
+            <a:r>
+              <a:rPr lang="en-US" dirty="0"/>
+              <a:t>Software</a:t>
+            </a:r>
+          </a:p>
+          <a:p>
+            <a:pPr lvl="1"/>
+            <a:r>
+              <a:rPr lang="en-US" dirty="0"/>
+              <a:t>Completed design of web application interface</a:t>
+            </a:r>
+          </a:p>
+          <a:p>
+            <a:pPr lvl="1"/>
+            <a:r>
+              <a:rPr lang="en-US" dirty="0"/>
+              <a:t>Created algorithm to securely generate random passwords</a:t>
+            </a:r>
+          </a:p>
+          <a:p>
+            <a:pPr lvl="1"/>
+            <a:r>
+              <a:rPr lang="en-US" dirty="0"/>
+              <a:t>In the process of pushing passwords to Raspberry Pi</a:t>
             </a:r>
           </a:p>
         </p:txBody>
@@ -3926,49 +4014,188 @@
           <a:p>
             <a:r>
               <a:rPr lang="en-US" dirty="0"/>
-              <a:t>GANTT Chart</a:t>
-            </a:r>
-          </a:p>
-        </p:txBody>
-      </p:sp>
-      <p:sp>
-        <p:nvSpPr>
-          <p:cNvPr id="3" name="Content Placeholder 2">
-            <a:extLst>
-              <a:ext uri="{FF2B5EF4-FFF2-40B4-BE49-F238E27FC236}">
-                <a16:creationId xmlns:a16="http://schemas.microsoft.com/office/drawing/2014/main" id="{7A964915-3722-47F3-8BF7-F3526A1D4521}"/>
-              </a:ext>
-            </a:extLst>
-          </p:cNvPr>
-          <p:cNvSpPr>
-            <a:spLocks noGrp="1"/>
-          </p:cNvSpPr>
+              <a:t>GANTT Charts</a:t>
+            </a:r>
+          </a:p>
+        </p:txBody>
+      </p:sp>
+      <p:pic>
+        <p:nvPicPr>
+          <p:cNvPr id="5" name="Content Placeholder 4">
+            <a:extLst>
+              <a:ext uri="{FF2B5EF4-FFF2-40B4-BE49-F238E27FC236}">
+                <a16:creationId xmlns:a16="http://schemas.microsoft.com/office/drawing/2014/main" id="{7E742536-99B2-4864-B431-E23FAAC774D0}"/>
+              </a:ext>
+            </a:extLst>
+          </p:cNvPr>
+          <p:cNvPicPr>
+            <a:picLocks noGrp="1" noChangeAspect="1"/>
+          </p:cNvPicPr>
           <p:nvPr>
             <p:ph idx="1"/>
           </p:nvPr>
-        </p:nvSpPr>
-        <p:spPr/>
-        <p:txBody>
-          <a:bodyPr/>
+        </p:nvPicPr>
+        <p:blipFill>
+          <a:blip r:embed="rId2"/>
+          <a:stretch>
+            <a:fillRect/>
+          </a:stretch>
+        </p:blipFill>
+        <p:spPr>
+          <a:xfrm>
+            <a:off x="6139403" y="2318991"/>
+            <a:ext cx="5214397" cy="3376706"/>
+          </a:xfrm>
+        </p:spPr>
+      </p:pic>
+      <p:pic>
+        <p:nvPicPr>
+          <p:cNvPr id="8" name="Picture 7" descr="Chart&#10;&#10;Description automatically generated">
+            <a:extLst>
+              <a:ext uri="{FF2B5EF4-FFF2-40B4-BE49-F238E27FC236}">
+                <a16:creationId xmlns:a16="http://schemas.microsoft.com/office/drawing/2014/main" id="{0FA25313-3F1E-4F97-9176-118F4B07AB1E}"/>
+              </a:ext>
+            </a:extLst>
+          </p:cNvPr>
+          <p:cNvPicPr>
+            <a:picLocks noChangeAspect="1"/>
+          </p:cNvPicPr>
+          <p:nvPr/>
+        </p:nvPicPr>
+        <p:blipFill rotWithShape="1">
+          <a:blip r:embed="rId3" cstate="print">
+            <a:extLst>
+              <a:ext uri="{28A0092B-C50C-407E-A947-70E740481C1C}">
+                <a14:useLocalDpi xmlns:a14="http://schemas.microsoft.com/office/drawing/2010/main" val="0"/>
+              </a:ext>
+            </a:extLst>
+          </a:blip>
+          <a:srcRect t="7876" b="1537"/>
+          <a:stretch/>
+        </p:blipFill>
+        <p:spPr>
+          <a:xfrm>
+            <a:off x="838200" y="2318991"/>
+            <a:ext cx="4359339" cy="3376706"/>
+          </a:xfrm>
+          <a:prstGeom prst="rect">
+            <a:avLst/>
+          </a:prstGeom>
+        </p:spPr>
+      </p:pic>
+      <p:sp>
+        <p:nvSpPr>
+          <p:cNvPr id="9" name="TextBox 8">
+            <a:extLst>
+              <a:ext uri="{FF2B5EF4-FFF2-40B4-BE49-F238E27FC236}">
+                <a16:creationId xmlns:a16="http://schemas.microsoft.com/office/drawing/2014/main" id="{044E319E-0AD3-46E9-B611-9E7754C2F041}"/>
+              </a:ext>
+            </a:extLst>
+          </p:cNvPr>
+          <p:cNvSpPr txBox="1"/>
+          <p:nvPr/>
+        </p:nvSpPr>
+        <p:spPr>
+          <a:xfrm>
+            <a:off x="1987645" y="5695697"/>
+            <a:ext cx="2060448" cy="369332"/>
+          </a:xfrm>
+          <a:prstGeom prst="rect">
+            <a:avLst/>
+          </a:prstGeom>
+          <a:noFill/>
+        </p:spPr>
+        <p:txBody>
+          <a:bodyPr wrap="square" rtlCol="0">
+            <a:spAutoFit/>
+          </a:bodyPr>
           <a:lstStyle/>
           <a:p>
             <a:r>
               <a:rPr lang="en-US" dirty="0"/>
-              <a:t>Include original GANTT chart</a:t>
-            </a:r>
-          </a:p>
+              <a:t>Original Gantt Chart</a:t>
+            </a:r>
+          </a:p>
+        </p:txBody>
+      </p:sp>
+      <p:sp>
+        <p:nvSpPr>
+          <p:cNvPr id="11" name="TextBox 10">
+            <a:extLst>
+              <a:ext uri="{FF2B5EF4-FFF2-40B4-BE49-F238E27FC236}">
+                <a16:creationId xmlns:a16="http://schemas.microsoft.com/office/drawing/2014/main" id="{0DD101B4-7170-4CF9-A14F-3D9C52B5F1FD}"/>
+              </a:ext>
+            </a:extLst>
+          </p:cNvPr>
+          <p:cNvSpPr txBox="1"/>
+          <p:nvPr/>
+        </p:nvSpPr>
+        <p:spPr>
+          <a:xfrm>
+            <a:off x="7716377" y="5695697"/>
+            <a:ext cx="2060448" cy="369332"/>
+          </a:xfrm>
+          <a:prstGeom prst="rect">
+            <a:avLst/>
+          </a:prstGeom>
+          <a:noFill/>
+        </p:spPr>
+        <p:txBody>
+          <a:bodyPr wrap="square" rtlCol="0">
+            <a:spAutoFit/>
+          </a:bodyPr>
+          <a:lstStyle/>
           <a:p>
             <a:r>
               <a:rPr lang="en-US" dirty="0"/>
-              <a:t>Present revised GANTT chart based on current experience</a:t>
-            </a:r>
-          </a:p>
-          <a:p>
-            <a:pPr lvl="1"/>
-            <a:r>
-              <a:rPr lang="en-US" dirty="0"/>
-              <a:t>Do this in reverse format (start with what needs to be finished at end and work back to today)</a:t>
-            </a:r>
+              <a:t>Current Gantt Chart</a:t>
+            </a:r>
+          </a:p>
+        </p:txBody>
+      </p:sp>
+      <p:sp>
+        <p:nvSpPr>
+          <p:cNvPr id="10" name="Arrow: Right 9">
+            <a:extLst>
+              <a:ext uri="{FF2B5EF4-FFF2-40B4-BE49-F238E27FC236}">
+                <a16:creationId xmlns:a16="http://schemas.microsoft.com/office/drawing/2014/main" id="{7913A1A1-0480-425A-B76D-26EF4BDEAE11}"/>
+              </a:ext>
+            </a:extLst>
+          </p:cNvPr>
+          <p:cNvSpPr/>
+          <p:nvPr/>
+        </p:nvSpPr>
+        <p:spPr>
+          <a:xfrm>
+            <a:off x="5284344" y="3845800"/>
+            <a:ext cx="768254" cy="323088"/>
+          </a:xfrm>
+          <a:prstGeom prst="rightArrow">
+            <a:avLst/>
+          </a:prstGeom>
+        </p:spPr>
+        <p:style>
+          <a:lnRef idx="2">
+            <a:schemeClr val="accent1">
+              <a:shade val="50000"/>
+            </a:schemeClr>
+          </a:lnRef>
+          <a:fillRef idx="1">
+            <a:schemeClr val="accent1"/>
+          </a:fillRef>
+          <a:effectRef idx="0">
+            <a:schemeClr val="accent1"/>
+          </a:effectRef>
+          <a:fontRef idx="minor">
+            <a:schemeClr val="lt1"/>
+          </a:fontRef>
+        </p:style>
+        <p:txBody>
+          <a:bodyPr rtlCol="0" anchor="ctr"/>
+          <a:lstStyle/>
+          <a:p>
+            <a:pPr algn="ctr"/>
+            <a:endParaRPr lang="en-US"/>
           </a:p>
         </p:txBody>
       </p:sp>
